--- a/undergraduate/lectures/lecture3-communication.pptx
+++ b/undergraduate/lectures/lecture3-communication.pptx
@@ -5,7 +5,7 @@
     <p:sldMasterId id="2147483786" r:id="rId1"/>
   </p:sldMasterIdLst>
   <p:notesMasterIdLst>
-    <p:notesMasterId r:id="rId37"/>
+    <p:notesMasterId r:id="rId44"/>
   </p:notesMasterIdLst>
   <p:sldIdLst>
     <p:sldId id="256" r:id="rId2"/>
@@ -21,28 +21,35 @@
     <p:sldId id="266" r:id="rId12"/>
     <p:sldId id="267" r:id="rId13"/>
     <p:sldId id="268" r:id="rId14"/>
-    <p:sldId id="269" r:id="rId15"/>
-    <p:sldId id="270" r:id="rId16"/>
-    <p:sldId id="274" r:id="rId17"/>
-    <p:sldId id="275" r:id="rId18"/>
-    <p:sldId id="276" r:id="rId19"/>
-    <p:sldId id="277" r:id="rId20"/>
-    <p:sldId id="278" r:id="rId21"/>
-    <p:sldId id="279" r:id="rId22"/>
-    <p:sldId id="280" r:id="rId23"/>
-    <p:sldId id="281" r:id="rId24"/>
-    <p:sldId id="282" r:id="rId25"/>
-    <p:sldId id="283" r:id="rId26"/>
-    <p:sldId id="284" r:id="rId27"/>
-    <p:sldId id="285" r:id="rId28"/>
-    <p:sldId id="286" r:id="rId29"/>
-    <p:sldId id="287" r:id="rId30"/>
-    <p:sldId id="288" r:id="rId31"/>
-    <p:sldId id="289" r:id="rId32"/>
-    <p:sldId id="290" r:id="rId33"/>
-    <p:sldId id="291" r:id="rId34"/>
-    <p:sldId id="273" r:id="rId35"/>
-    <p:sldId id="272" r:id="rId36"/>
+    <p:sldId id="292" r:id="rId15"/>
+    <p:sldId id="293" r:id="rId16"/>
+    <p:sldId id="294" r:id="rId17"/>
+    <p:sldId id="295" r:id="rId18"/>
+    <p:sldId id="296" r:id="rId19"/>
+    <p:sldId id="297" r:id="rId20"/>
+    <p:sldId id="298" r:id="rId21"/>
+    <p:sldId id="269" r:id="rId22"/>
+    <p:sldId id="270" r:id="rId23"/>
+    <p:sldId id="274" r:id="rId24"/>
+    <p:sldId id="275" r:id="rId25"/>
+    <p:sldId id="276" r:id="rId26"/>
+    <p:sldId id="277" r:id="rId27"/>
+    <p:sldId id="278" r:id="rId28"/>
+    <p:sldId id="279" r:id="rId29"/>
+    <p:sldId id="280" r:id="rId30"/>
+    <p:sldId id="281" r:id="rId31"/>
+    <p:sldId id="282" r:id="rId32"/>
+    <p:sldId id="283" r:id="rId33"/>
+    <p:sldId id="284" r:id="rId34"/>
+    <p:sldId id="285" r:id="rId35"/>
+    <p:sldId id="286" r:id="rId36"/>
+    <p:sldId id="287" r:id="rId37"/>
+    <p:sldId id="288" r:id="rId38"/>
+    <p:sldId id="289" r:id="rId39"/>
+    <p:sldId id="290" r:id="rId40"/>
+    <p:sldId id="291" r:id="rId41"/>
+    <p:sldId id="273" r:id="rId42"/>
+    <p:sldId id="272" r:id="rId43"/>
   </p:sldIdLst>
   <p:sldSz cx="12192000" cy="6858000"/>
   <p:notesSz cx="6858000" cy="9144000"/>
@@ -163,6 +170,13 @@
         <p14:section name="Internetworking" id="{9281C1B4-3D3B-6641-9DA2-F779A83C923E}">
           <p14:sldIdLst>
             <p14:sldId id="268"/>
+            <p14:sldId id="292"/>
+            <p14:sldId id="293"/>
+            <p14:sldId id="294"/>
+            <p14:sldId id="295"/>
+            <p14:sldId id="296"/>
+            <p14:sldId id="297"/>
+            <p14:sldId id="298"/>
             <p14:sldId id="269"/>
             <p14:sldId id="270"/>
             <p14:sldId id="274"/>
@@ -278,7 +292,7 @@
           <a:p>
             <a:fld id="{EC53E720-1243-6043-B4C4-6E31C619CC0A}" type="datetimeFigureOut">
               <a:rPr lang="en-US" smtClean="0"/>
-              <a:t>1/16/17</a:t>
+              <a:t>2/1/17</a:t>
             </a:fld>
             <a:endParaRPr lang="en-US"/>
           </a:p>
@@ -861,7 +875,7 @@
           <a:p>
             <a:fld id="{26E720F5-B36D-F044-8ECF-58C3AADD4FFA}" type="datetime1">
               <a:rPr lang="en-US" smtClean="0"/>
-              <a:t>1/16/17</a:t>
+              <a:t>2/1/17</a:t>
             </a:fld>
             <a:endParaRPr lang="en-US"/>
           </a:p>
@@ -1140,7 +1154,7 @@
           <a:p>
             <a:fld id="{3A7898FD-2DE3-2242-AB42-1050745E6125}" type="datetime1">
               <a:rPr lang="en-US" smtClean="0"/>
-              <a:t>1/16/17</a:t>
+              <a:t>2/1/17</a:t>
             </a:fld>
             <a:endParaRPr lang="en-US"/>
           </a:p>
@@ -1395,7 +1409,7 @@
           <a:p>
             <a:fld id="{D3004C58-1FC4-1540-81EE-6BBA0CF83C34}" type="datetime1">
               <a:rPr lang="en-US" smtClean="0"/>
-              <a:t>1/16/17</a:t>
+              <a:t>2/1/17</a:t>
             </a:fld>
             <a:endParaRPr lang="en-US"/>
           </a:p>
@@ -1457,6 +1471,219 @@
       <p15:sldGuideLst xmlns:p15="http://schemas.microsoft.com/office/powerpoint/2012/main"/>
     </p:ext>
   </p:extLst>
+</p:sldLayout>
+</file>
+
+<file path=ppt/slideLayouts/slideLayout12.xml><?xml version="1.0" encoding="utf-8"?>
+<p:sldLayout xmlns:a="http://schemas.openxmlformats.org/drawingml/2006/main" xmlns:r="http://schemas.openxmlformats.org/officeDocument/2006/relationships" xmlns:p="http://schemas.openxmlformats.org/presentationml/2006/main" type="tx">
+  <p:cSld name="タイトル &amp; 箇条書き">
+    <p:spTree>
+      <p:nvGrpSpPr>
+        <p:cNvPr id="1" name=""/>
+        <p:cNvGrpSpPr/>
+        <p:nvPr/>
+      </p:nvGrpSpPr>
+      <p:grpSpPr>
+        <a:xfrm>
+          <a:off x="0" y="0"/>
+          <a:ext cx="0" cy="0"/>
+          <a:chOff x="0" y="0"/>
+          <a:chExt cx="0" cy="0"/>
+        </a:xfrm>
+      </p:grpSpPr>
+      <p:sp>
+        <p:nvSpPr>
+          <p:cNvPr id="56" name="Shape 56"/>
+          <p:cNvSpPr>
+            <a:spLocks noGrp="1"/>
+          </p:cNvSpPr>
+          <p:nvPr>
+            <p:ph type="title"/>
+          </p:nvPr>
+        </p:nvSpPr>
+        <p:spPr>
+          <a:prstGeom prst="rect">
+            <a:avLst/>
+          </a:prstGeom>
+        </p:spPr>
+        <p:txBody>
+          <a:bodyPr/>
+          <a:lstStyle/>
+          <a:p>
+            <a:r>
+              <a:t>タイトルテキスト</a:t>
+            </a:r>
+          </a:p>
+        </p:txBody>
+      </p:sp>
+      <p:sp>
+        <p:nvSpPr>
+          <p:cNvPr id="57" name="Shape 57"/>
+          <p:cNvSpPr>
+            <a:spLocks noGrp="1"/>
+          </p:cNvSpPr>
+          <p:nvPr>
+            <p:ph type="body" idx="1"/>
+          </p:nvPr>
+        </p:nvSpPr>
+        <p:spPr>
+          <a:prstGeom prst="rect">
+            <a:avLst/>
+          </a:prstGeom>
+        </p:spPr>
+        <p:txBody>
+          <a:bodyPr/>
+          <a:lstStyle/>
+          <a:p>
+            <a:r>
+              <a:t>本文レベル1</a:t>
+            </a:r>
+          </a:p>
+          <a:p>
+            <a:pPr lvl="1"/>
+            <a:r>
+              <a:t>本文レベル2</a:t>
+            </a:r>
+          </a:p>
+          <a:p>
+            <a:pPr lvl="2"/>
+            <a:r>
+              <a:t>本文レベル3</a:t>
+            </a:r>
+          </a:p>
+          <a:p>
+            <a:pPr lvl="3"/>
+            <a:r>
+              <a:t>本文レベル4</a:t>
+            </a:r>
+          </a:p>
+          <a:p>
+            <a:pPr lvl="4"/>
+            <a:r>
+              <a:t>本文レベル5</a:t>
+            </a:r>
+          </a:p>
+        </p:txBody>
+      </p:sp>
+      <p:sp>
+        <p:nvSpPr>
+          <p:cNvPr id="58" name="Shape 58"/>
+          <p:cNvSpPr>
+            <a:spLocks noGrp="1"/>
+          </p:cNvSpPr>
+          <p:nvPr>
+            <p:ph type="sldNum" sz="quarter" idx="2"/>
+          </p:nvPr>
+        </p:nvSpPr>
+        <p:spPr>
+          <a:prstGeom prst="rect">
+            <a:avLst/>
+          </a:prstGeom>
+        </p:spPr>
+        <p:txBody>
+          <a:bodyPr/>
+          <a:lstStyle/>
+          <a:p>
+            <a:fld id="{86CB4B4D-7CA3-9044-876B-883B54F8677D}" type="slidenum">
+              <a:t>‹#›</a:t>
+            </a:fld>
+            <a:endParaRPr/>
+          </a:p>
+        </p:txBody>
+      </p:sp>
+    </p:spTree>
+    <p:extLst>
+      <p:ext uri="{BB962C8B-B14F-4D97-AF65-F5344CB8AC3E}">
+        <p14:creationId xmlns:p14="http://schemas.microsoft.com/office/powerpoint/2010/main" val="63473889"/>
+      </p:ext>
+    </p:extLst>
+  </p:cSld>
+  <p:clrMapOvr>
+    <a:masterClrMapping/>
+  </p:clrMapOvr>
+  <p:transition spd="med"/>
+</p:sldLayout>
+</file>
+
+<file path=ppt/slideLayouts/slideLayout13.xml><?xml version="1.0" encoding="utf-8"?>
+<p:sldLayout xmlns:a="http://schemas.openxmlformats.org/drawingml/2006/main" xmlns:r="http://schemas.openxmlformats.org/officeDocument/2006/relationships" xmlns:p="http://schemas.openxmlformats.org/presentationml/2006/main" type="tx">
+  <p:cSld name="タイトル（上）">
+    <p:spTree>
+      <p:nvGrpSpPr>
+        <p:cNvPr id="1" name=""/>
+        <p:cNvGrpSpPr/>
+        <p:nvPr/>
+      </p:nvGrpSpPr>
+      <p:grpSpPr>
+        <a:xfrm>
+          <a:off x="0" y="0"/>
+          <a:ext cx="0" cy="0"/>
+          <a:chOff x="0" y="0"/>
+          <a:chExt cx="0" cy="0"/>
+        </a:xfrm>
+      </p:grpSpPr>
+      <p:sp>
+        <p:nvSpPr>
+          <p:cNvPr id="48" name="Shape 48"/>
+          <p:cNvSpPr>
+            <a:spLocks noGrp="1"/>
+          </p:cNvSpPr>
+          <p:nvPr>
+            <p:ph type="title"/>
+          </p:nvPr>
+        </p:nvSpPr>
+        <p:spPr>
+          <a:prstGeom prst="rect">
+            <a:avLst/>
+          </a:prstGeom>
+        </p:spPr>
+        <p:txBody>
+          <a:bodyPr/>
+          <a:lstStyle/>
+          <a:p>
+            <a:r>
+              <a:t>タイトルテキスト</a:t>
+            </a:r>
+          </a:p>
+        </p:txBody>
+      </p:sp>
+      <p:sp>
+        <p:nvSpPr>
+          <p:cNvPr id="49" name="Shape 49"/>
+          <p:cNvSpPr>
+            <a:spLocks noGrp="1"/>
+          </p:cNvSpPr>
+          <p:nvPr>
+            <p:ph type="sldNum" sz="quarter" idx="2"/>
+          </p:nvPr>
+        </p:nvSpPr>
+        <p:spPr>
+          <a:prstGeom prst="rect">
+            <a:avLst/>
+          </a:prstGeom>
+        </p:spPr>
+        <p:txBody>
+          <a:bodyPr/>
+          <a:lstStyle/>
+          <a:p>
+            <a:fld id="{86CB4B4D-7CA3-9044-876B-883B54F8677D}" type="slidenum">
+              <a:t>‹#›</a:t>
+            </a:fld>
+            <a:endParaRPr/>
+          </a:p>
+        </p:txBody>
+      </p:sp>
+    </p:spTree>
+    <p:extLst>
+      <p:ext uri="{BB962C8B-B14F-4D97-AF65-F5344CB8AC3E}">
+        <p14:creationId xmlns:p14="http://schemas.microsoft.com/office/powerpoint/2010/main" val="2069969903"/>
+      </p:ext>
+    </p:extLst>
+  </p:cSld>
+  <p:clrMapOvr>
+    <a:masterClrMapping/>
+  </p:clrMapOvr>
+  <p:transition spd="med"/>
 </p:sldLayout>
 </file>
 
@@ -1573,7 +1800,7 @@
           <a:p>
             <a:fld id="{1A262375-3BBF-904C-8051-E98C412ED03A}" type="datetime1">
               <a:rPr lang="en-US" smtClean="0"/>
-              <a:t>1/16/17</a:t>
+              <a:t>2/1/17</a:t>
             </a:fld>
             <a:endParaRPr lang="en-US"/>
           </a:p>
@@ -1922,7 +2149,7 @@
           <a:p>
             <a:fld id="{014586BC-7856-1741-AD0B-EE33EC4E518D}" type="datetime1">
               <a:rPr lang="en-US" smtClean="0"/>
-              <a:t>1/16/17</a:t>
+              <a:t>2/1/17</a:t>
             </a:fld>
             <a:endParaRPr lang="en-US"/>
           </a:p>
@@ -2216,7 +2443,7 @@
           <a:p>
             <a:fld id="{1FCAC5D8-AF87-324D-95D3-D6D54E182293}" type="datetime1">
               <a:rPr lang="en-US" smtClean="0"/>
-              <a:t>1/16/17</a:t>
+              <a:t>2/1/17</a:t>
             </a:fld>
             <a:endParaRPr lang="en-US" dirty="0"/>
           </a:p>
@@ -2603,7 +2830,7 @@
           <a:p>
             <a:fld id="{EFE068BA-6094-444C-97BA-6FC7A2877310}" type="datetime1">
               <a:rPr lang="en-US" smtClean="0"/>
-              <a:t>1/16/17</a:t>
+              <a:t>2/1/17</a:t>
             </a:fld>
             <a:endParaRPr lang="en-US"/>
           </a:p>
@@ -2727,7 +2954,7 @@
           <a:p>
             <a:fld id="{7B52FD35-E83C-5548-B1FB-76D71419F52A}" type="datetime1">
               <a:rPr lang="en-US" smtClean="0"/>
-              <a:t>1/16/17</a:t>
+              <a:t>2/1/17</a:t>
             </a:fld>
             <a:endParaRPr lang="en-US"/>
           </a:p>
@@ -2904,7 +3131,7 @@
           <a:p>
             <a:fld id="{980E0633-7A4C-7745-9F88-15180C289BA2}" type="datetime1">
               <a:rPr lang="en-US" smtClean="0"/>
-              <a:t>1/16/17</a:t>
+              <a:t>2/1/17</a:t>
             </a:fld>
             <a:endParaRPr lang="en-US"/>
           </a:p>
@@ -3264,7 +3491,7 @@
           <a:p>
             <a:fld id="{BFA6BC41-C466-2842-BADB-5022C22F5798}" type="datetime1">
               <a:rPr lang="en-US" smtClean="0"/>
-              <a:t>1/16/17</a:t>
+              <a:t>2/1/17</a:t>
             </a:fld>
             <a:endParaRPr lang="en-US"/>
           </a:p>
@@ -3649,7 +3876,7 @@
           <a:p>
             <a:fld id="{C455B2BC-05B3-8145-BF40-0F0FCDD2882A}" type="datetime1">
               <a:rPr lang="en-US" smtClean="0"/>
-              <a:t>1/16/17</a:t>
+              <a:t>2/1/17</a:t>
             </a:fld>
             <a:endParaRPr lang="en-US"/>
           </a:p>
@@ -3935,7 +4162,7 @@
           <a:p>
             <a:fld id="{AFC88FFC-6D65-4647-AF0B-491B52EDC8EB}" type="datetime1">
               <a:rPr lang="en-US" smtClean="0"/>
-              <a:t>1/16/17</a:t>
+              <a:t>2/1/17</a:t>
             </a:fld>
             <a:endParaRPr lang="en-US" dirty="0"/>
           </a:p>
@@ -4066,7 +4293,7 @@
           <p:nvPr/>
         </p:nvPicPr>
         <p:blipFill>
-          <a:blip r:embed="rId13">
+          <a:blip r:embed="rId15">
             <a:extLst>
               <a:ext uri="{28A0092B-C50C-407E-A947-70E740481C1C}">
                 <a14:useLocalDpi xmlns:a14="http://schemas.microsoft.com/office/drawing/2010/main" val="0"/>
@@ -4096,7 +4323,7 @@
           <p:nvPr userDrawn="1"/>
         </p:nvPicPr>
         <p:blipFill>
-          <a:blip r:embed="rId14">
+          <a:blip r:embed="rId16">
             <a:extLst>
               <a:ext uri="{28A0092B-C50C-407E-A947-70E740481C1C}">
                 <a14:useLocalDpi xmlns:a14="http://schemas.microsoft.com/office/drawing/2010/main" val="0"/>
@@ -4137,6 +4364,8 @@
     <p:sldLayoutId id="2147483795" r:id="rId9"/>
     <p:sldLayoutId id="2147483796" r:id="rId10"/>
     <p:sldLayoutId id="2147483797" r:id="rId11"/>
+    <p:sldLayoutId id="2147483798" r:id="rId12"/>
+    <p:sldLayoutId id="2147483799" r:id="rId13"/>
   </p:sldLayoutIdLst>
   <p:timing>
     <p:tnLst>
@@ -4553,11 +4782,7 @@
           <a:p>
             <a:r>
               <a:rPr lang="en-US" dirty="0" smtClean="0"/>
-              <a:t>A Look Inside FreeBSD with </a:t>
-            </a:r>
-            <a:r>
-              <a:rPr lang="en-US" dirty="0" err="1" smtClean="0"/>
-              <a:t>DTrace</a:t>
+              <a:t>Introduction to Operating Systems</a:t>
             </a:r>
             <a:endParaRPr lang="en-US" dirty="0"/>
           </a:p>
@@ -4577,25 +4802,25 @@
         <p:txBody>
           <a:bodyPr/>
           <a:lstStyle/>
+          <a:p>
+            <a:r>
+              <a:rPr lang="en-US" dirty="0" smtClean="0"/>
+              <a:t>Through tracing, analysis and experimentation</a:t>
+            </a:r>
+            <a:endParaRPr lang="en-US" dirty="0" smtClean="0"/>
+          </a:p>
           <a:p>
             <a:r>
               <a:rPr lang="en-US" dirty="0" err="1" smtClean="0"/>
               <a:t>george</a:t>
             </a:r>
             <a:r>
-              <a:rPr lang="en-US" dirty="0" smtClean="0"/>
+              <a:rPr lang="en-US" dirty="0"/>
               <a:t> </a:t>
             </a:r>
             <a:r>
               <a:rPr lang="en-US" dirty="0" err="1" smtClean="0"/>
               <a:t>neville-neil</a:t>
-            </a:r>
-            <a:endParaRPr lang="en-US" dirty="0" smtClean="0"/>
-          </a:p>
-          <a:p>
-            <a:r>
-              <a:rPr lang="en-US" dirty="0" err="1" smtClean="0"/>
-              <a:t>gnn@freebsd.org</a:t>
             </a:r>
             <a:endParaRPr lang="en-US" dirty="0"/>
           </a:p>
@@ -4958,6 +5183,736 @@
       </p:grpSpPr>
       <p:sp>
         <p:nvSpPr>
+          <p:cNvPr id="122" name="Shape 122"/>
+          <p:cNvSpPr>
+            <a:spLocks noGrp="1"/>
+          </p:cNvSpPr>
+          <p:nvPr>
+            <p:ph type="title"/>
+          </p:nvPr>
+        </p:nvSpPr>
+        <p:spPr>
+          <a:prstGeom prst="rect">
+            <a:avLst/>
+          </a:prstGeom>
+        </p:spPr>
+        <p:txBody>
+          <a:bodyPr>
+            <a:normAutofit fontScale="90000"/>
+          </a:bodyPr>
+          <a:lstStyle>
+            <a:lvl1pPr defTabSz="543305">
+              <a:defRPr sz="7440"/>
+            </a:lvl1pPr>
+          </a:lstStyle>
+          <a:p>
+            <a:r>
+              <a:t>Latency and Bandwidth </a:t>
+            </a:r>
+          </a:p>
+        </p:txBody>
+      </p:sp>
+      <p:sp>
+        <p:nvSpPr>
+          <p:cNvPr id="123" name="Shape 123"/>
+          <p:cNvSpPr>
+            <a:spLocks noGrp="1"/>
+          </p:cNvSpPr>
+          <p:nvPr>
+            <p:ph type="body" idx="1"/>
+          </p:nvPr>
+        </p:nvSpPr>
+        <p:spPr>
+          <a:prstGeom prst="rect">
+            <a:avLst/>
+          </a:prstGeom>
+        </p:spPr>
+        <p:txBody>
+          <a:bodyPr/>
+          <a:lstStyle/>
+          <a:p>
+            <a:r>
+              <a:t>Bandwidth is how much data can be moved per unit of time</a:t>
+            </a:r>
+          </a:p>
+          <a:p>
+            <a:r>
+              <a:t>Latency is how long it takes any piece of data to go from A to B</a:t>
+            </a:r>
+          </a:p>
+          <a:p>
+            <a:r>
+              <a:t>Latency has a strong influence on bandwidth</a:t>
+            </a:r>
+          </a:p>
+        </p:txBody>
+      </p:sp>
+    </p:spTree>
+    <p:extLst>
+      <p:ext uri="{BB962C8B-B14F-4D97-AF65-F5344CB8AC3E}">
+        <p14:creationId xmlns:p14="http://schemas.microsoft.com/office/powerpoint/2010/main" val="1653763511"/>
+      </p:ext>
+    </p:extLst>
+  </p:cSld>
+  <p:clrMapOvr>
+    <a:masterClrMapping/>
+  </p:clrMapOvr>
+  <p:transition spd="med"/>
+</p:sld>
+</file>
+
+<file path=ppt/slides/slide15.xml><?xml version="1.0" encoding="utf-8"?>
+<p:sld xmlns:a="http://schemas.openxmlformats.org/drawingml/2006/main" xmlns:r="http://schemas.openxmlformats.org/officeDocument/2006/relationships" xmlns:p="http://schemas.openxmlformats.org/presentationml/2006/main">
+  <p:cSld>
+    <p:spTree>
+      <p:nvGrpSpPr>
+        <p:cNvPr id="1" name=""/>
+        <p:cNvGrpSpPr/>
+        <p:nvPr/>
+      </p:nvGrpSpPr>
+      <p:grpSpPr>
+        <a:xfrm>
+          <a:off x="0" y="0"/>
+          <a:ext cx="0" cy="0"/>
+          <a:chOff x="0" y="0"/>
+          <a:chExt cx="0" cy="0"/>
+        </a:xfrm>
+      </p:grpSpPr>
+      <p:sp>
+        <p:nvSpPr>
+          <p:cNvPr id="125" name="Shape 125"/>
+          <p:cNvSpPr>
+            <a:spLocks noGrp="1"/>
+          </p:cNvSpPr>
+          <p:nvPr>
+            <p:ph type="title"/>
+          </p:nvPr>
+        </p:nvSpPr>
+        <p:spPr>
+          <a:prstGeom prst="rect">
+            <a:avLst/>
+          </a:prstGeom>
+        </p:spPr>
+        <p:txBody>
+          <a:bodyPr/>
+          <a:lstStyle/>
+          <a:p>
+            <a:r>
+              <a:t>Latency</a:t>
+            </a:r>
+          </a:p>
+        </p:txBody>
+      </p:sp>
+    </p:spTree>
+    <p:extLst>
+      <p:ext uri="{BB962C8B-B14F-4D97-AF65-F5344CB8AC3E}">
+        <p14:creationId xmlns:p14="http://schemas.microsoft.com/office/powerpoint/2010/main" val="749078321"/>
+      </p:ext>
+    </p:extLst>
+  </p:cSld>
+  <p:clrMapOvr>
+    <a:masterClrMapping/>
+  </p:clrMapOvr>
+  <p:transition spd="med"/>
+</p:sld>
+</file>
+
+<file path=ppt/slides/slide16.xml><?xml version="1.0" encoding="utf-8"?>
+<p:sld xmlns:a="http://schemas.openxmlformats.org/drawingml/2006/main" xmlns:r="http://schemas.openxmlformats.org/officeDocument/2006/relationships" xmlns:p="http://schemas.openxmlformats.org/presentationml/2006/main">
+  <p:cSld>
+    <p:spTree>
+      <p:nvGrpSpPr>
+        <p:cNvPr id="1" name=""/>
+        <p:cNvGrpSpPr/>
+        <p:nvPr/>
+      </p:nvGrpSpPr>
+      <p:grpSpPr>
+        <a:xfrm>
+          <a:off x="0" y="0"/>
+          <a:ext cx="0" cy="0"/>
+          <a:chOff x="0" y="0"/>
+          <a:chExt cx="0" cy="0"/>
+        </a:xfrm>
+      </p:grpSpPr>
+      <p:sp>
+        <p:nvSpPr>
+          <p:cNvPr id="127" name="Shape 127"/>
+          <p:cNvSpPr>
+            <a:spLocks noGrp="1"/>
+          </p:cNvSpPr>
+          <p:nvPr>
+            <p:ph type="title"/>
+          </p:nvPr>
+        </p:nvSpPr>
+        <p:spPr>
+          <a:prstGeom prst="rect">
+            <a:avLst/>
+          </a:prstGeom>
+        </p:spPr>
+        <p:txBody>
+          <a:bodyPr/>
+          <a:lstStyle/>
+          <a:p>
+            <a:r>
+              <a:t>Latency</a:t>
+            </a:r>
+          </a:p>
+        </p:txBody>
+      </p:sp>
+      <p:sp>
+        <p:nvSpPr>
+          <p:cNvPr id="128" name="Shape 128"/>
+          <p:cNvSpPr>
+            <a:spLocks noGrp="1"/>
+          </p:cNvSpPr>
+          <p:nvPr>
+            <p:ph type="body" idx="1"/>
+          </p:nvPr>
+        </p:nvSpPr>
+        <p:spPr>
+          <a:prstGeom prst="rect">
+            <a:avLst/>
+          </a:prstGeom>
+        </p:spPr>
+        <p:txBody>
+          <a:bodyPr/>
+          <a:lstStyle/>
+          <a:p>
+            <a:pPr marL="215644" indent="-215644" defTabSz="283418">
+              <a:spcBef>
+                <a:spcPts val="1969"/>
+              </a:spcBef>
+              <a:defRPr sz="2484"/>
+            </a:pPr>
+            <a:r>
+              <a:t>A nanosecond</a:t>
+            </a:r>
+          </a:p>
+          <a:p>
+            <a:pPr marL="215644" indent="-215644" defTabSz="283418">
+              <a:spcBef>
+                <a:spcPts val="1969"/>
+              </a:spcBef>
+              <a:defRPr sz="2484"/>
+            </a:pPr>
+            <a:r>
+              <a:t>A microseconds</a:t>
+            </a:r>
+          </a:p>
+          <a:p>
+            <a:pPr marL="215644" indent="-215644" defTabSz="283418">
+              <a:spcBef>
+                <a:spcPts val="1969"/>
+              </a:spcBef>
+              <a:defRPr sz="2484"/>
+            </a:pPr>
+            <a:r>
+              <a:t>Impediments</a:t>
+            </a:r>
+          </a:p>
+          <a:p>
+            <a:pPr marL="215644" indent="-215644" defTabSz="283418">
+              <a:spcBef>
+                <a:spcPts val="1969"/>
+              </a:spcBef>
+              <a:defRPr sz="2484"/>
+            </a:pPr>
+            <a:r>
+              <a:t>Switches</a:t>
+            </a:r>
+          </a:p>
+          <a:p>
+            <a:pPr marL="215644" indent="-215644" defTabSz="283418">
+              <a:spcBef>
+                <a:spcPts val="1969"/>
+              </a:spcBef>
+              <a:defRPr sz="2484"/>
+            </a:pPr>
+            <a:r>
+              <a:t>Routers</a:t>
+            </a:r>
+          </a:p>
+          <a:p>
+            <a:pPr marL="215644" indent="-215644" defTabSz="283418">
+              <a:spcBef>
+                <a:spcPts val="1969"/>
+              </a:spcBef>
+              <a:defRPr sz="2484"/>
+            </a:pPr>
+            <a:r>
+              <a:t>Links</a:t>
+            </a:r>
+          </a:p>
+          <a:p>
+            <a:pPr marL="215644" indent="-215644" defTabSz="283418">
+              <a:spcBef>
+                <a:spcPts val="1969"/>
+              </a:spcBef>
+              <a:defRPr sz="2484"/>
+            </a:pPr>
+            <a:r>
+              <a:t>Firewalls</a:t>
+            </a:r>
+          </a:p>
+        </p:txBody>
+      </p:sp>
+    </p:spTree>
+    <p:extLst>
+      <p:ext uri="{BB962C8B-B14F-4D97-AF65-F5344CB8AC3E}">
+        <p14:creationId xmlns:p14="http://schemas.microsoft.com/office/powerpoint/2010/main" val="1210202333"/>
+      </p:ext>
+    </p:extLst>
+  </p:cSld>
+  <p:clrMapOvr>
+    <a:masterClrMapping/>
+  </p:clrMapOvr>
+  <p:transition spd="med"/>
+</p:sld>
+</file>
+
+<file path=ppt/slides/slide17.xml><?xml version="1.0" encoding="utf-8"?>
+<p:sld xmlns:a="http://schemas.openxmlformats.org/drawingml/2006/main" xmlns:r="http://schemas.openxmlformats.org/officeDocument/2006/relationships" xmlns:p="http://schemas.openxmlformats.org/presentationml/2006/main">
+  <p:cSld>
+    <p:spTree>
+      <p:nvGrpSpPr>
+        <p:cNvPr id="1" name=""/>
+        <p:cNvGrpSpPr/>
+        <p:nvPr/>
+      </p:nvGrpSpPr>
+      <p:grpSpPr>
+        <a:xfrm>
+          <a:off x="0" y="0"/>
+          <a:ext cx="0" cy="0"/>
+          <a:chOff x="0" y="0"/>
+          <a:chExt cx="0" cy="0"/>
+        </a:xfrm>
+      </p:grpSpPr>
+      <p:sp>
+        <p:nvSpPr>
+          <p:cNvPr id="130" name="Shape 130"/>
+          <p:cNvSpPr>
+            <a:spLocks noGrp="1"/>
+          </p:cNvSpPr>
+          <p:nvPr>
+            <p:ph type="title"/>
+          </p:nvPr>
+        </p:nvSpPr>
+        <p:spPr>
+          <a:prstGeom prst="rect">
+            <a:avLst/>
+          </a:prstGeom>
+        </p:spPr>
+        <p:txBody>
+          <a:bodyPr/>
+          <a:lstStyle/>
+          <a:p>
+            <a:r>
+              <a:t>Longest known path</a:t>
+            </a:r>
+          </a:p>
+        </p:txBody>
+      </p:sp>
+      <p:sp>
+        <p:nvSpPr>
+          <p:cNvPr id="131" name="Shape 131"/>
+          <p:cNvSpPr>
+            <a:spLocks noGrp="1"/>
+          </p:cNvSpPr>
+          <p:nvPr>
+            <p:ph type="body" idx="1"/>
+          </p:nvPr>
+        </p:nvSpPr>
+        <p:spPr>
+          <a:prstGeom prst="rect">
+            <a:avLst/>
+          </a:prstGeom>
+        </p:spPr>
+        <p:txBody>
+          <a:bodyPr/>
+          <a:lstStyle/>
+          <a:p>
+            <a:endParaRPr/>
+          </a:p>
+        </p:txBody>
+      </p:sp>
+    </p:spTree>
+    <p:extLst>
+      <p:ext uri="{BB962C8B-B14F-4D97-AF65-F5344CB8AC3E}">
+        <p14:creationId xmlns:p14="http://schemas.microsoft.com/office/powerpoint/2010/main" val="1052989994"/>
+      </p:ext>
+    </p:extLst>
+  </p:cSld>
+  <p:clrMapOvr>
+    <a:masterClrMapping/>
+  </p:clrMapOvr>
+  <p:transition spd="med"/>
+</p:sld>
+</file>
+
+<file path=ppt/slides/slide18.xml><?xml version="1.0" encoding="utf-8"?>
+<p:sld xmlns:a="http://schemas.openxmlformats.org/drawingml/2006/main" xmlns:r="http://schemas.openxmlformats.org/officeDocument/2006/relationships" xmlns:p="http://schemas.openxmlformats.org/presentationml/2006/main">
+  <p:cSld>
+    <p:spTree>
+      <p:nvGrpSpPr>
+        <p:cNvPr id="1" name=""/>
+        <p:cNvGrpSpPr/>
+        <p:nvPr/>
+      </p:nvGrpSpPr>
+      <p:grpSpPr>
+        <a:xfrm>
+          <a:off x="0" y="0"/>
+          <a:ext cx="0" cy="0"/>
+          <a:chOff x="0" y="0"/>
+          <a:chExt cx="0" cy="0"/>
+        </a:xfrm>
+      </p:grpSpPr>
+      <p:sp>
+        <p:nvSpPr>
+          <p:cNvPr id="133" name="Shape 133"/>
+          <p:cNvSpPr>
+            <a:spLocks noGrp="1"/>
+          </p:cNvSpPr>
+          <p:nvPr>
+            <p:ph type="title"/>
+          </p:nvPr>
+        </p:nvSpPr>
+        <p:spPr>
+          <a:prstGeom prst="rect">
+            <a:avLst/>
+          </a:prstGeom>
+        </p:spPr>
+        <p:txBody>
+          <a:bodyPr>
+            <a:normAutofit fontScale="90000"/>
+          </a:bodyPr>
+          <a:lstStyle>
+            <a:lvl1pPr defTabSz="473201">
+              <a:defRPr sz="6480"/>
+            </a:lvl1pPr>
+          </a:lstStyle>
+          <a:p>
+            <a:r>
+              <a:t>Effect on state maintenance</a:t>
+            </a:r>
+          </a:p>
+        </p:txBody>
+      </p:sp>
+      <p:sp>
+        <p:nvSpPr>
+          <p:cNvPr id="134" name="Shape 134"/>
+          <p:cNvSpPr>
+            <a:spLocks noGrp="1"/>
+          </p:cNvSpPr>
+          <p:nvPr>
+            <p:ph type="body" idx="1"/>
+          </p:nvPr>
+        </p:nvSpPr>
+        <p:spPr>
+          <a:prstGeom prst="rect">
+            <a:avLst/>
+          </a:prstGeom>
+        </p:spPr>
+        <p:txBody>
+          <a:bodyPr/>
+          <a:lstStyle/>
+          <a:p>
+            <a:endParaRPr/>
+          </a:p>
+        </p:txBody>
+      </p:sp>
+    </p:spTree>
+    <p:extLst>
+      <p:ext uri="{BB962C8B-B14F-4D97-AF65-F5344CB8AC3E}">
+        <p14:creationId xmlns:p14="http://schemas.microsoft.com/office/powerpoint/2010/main" val="190094231"/>
+      </p:ext>
+    </p:extLst>
+  </p:cSld>
+  <p:clrMapOvr>
+    <a:masterClrMapping/>
+  </p:clrMapOvr>
+  <p:transition spd="med"/>
+</p:sld>
+</file>
+
+<file path=ppt/slides/slide19.xml><?xml version="1.0" encoding="utf-8"?>
+<p:sld xmlns:a="http://schemas.openxmlformats.org/drawingml/2006/main" xmlns:r="http://schemas.openxmlformats.org/officeDocument/2006/relationships" xmlns:p="http://schemas.openxmlformats.org/presentationml/2006/main">
+  <p:cSld>
+    <p:spTree>
+      <p:nvGrpSpPr>
+        <p:cNvPr id="1" name=""/>
+        <p:cNvGrpSpPr/>
+        <p:nvPr/>
+      </p:nvGrpSpPr>
+      <p:grpSpPr>
+        <a:xfrm>
+          <a:off x="0" y="0"/>
+          <a:ext cx="0" cy="0"/>
+          <a:chOff x="0" y="0"/>
+          <a:chExt cx="0" cy="0"/>
+        </a:xfrm>
+      </p:grpSpPr>
+      <p:sp>
+        <p:nvSpPr>
+          <p:cNvPr id="136" name="Shape 136"/>
+          <p:cNvSpPr>
+            <a:spLocks noGrp="1"/>
+          </p:cNvSpPr>
+          <p:nvPr>
+            <p:ph type="title"/>
+          </p:nvPr>
+        </p:nvSpPr>
+        <p:spPr>
+          <a:prstGeom prst="rect">
+            <a:avLst/>
+          </a:prstGeom>
+        </p:spPr>
+        <p:txBody>
+          <a:bodyPr/>
+          <a:lstStyle/>
+          <a:p>
+            <a:r>
+              <a:t>Stop and go protocol</a:t>
+            </a:r>
+          </a:p>
+        </p:txBody>
+      </p:sp>
+      <p:sp>
+        <p:nvSpPr>
+          <p:cNvPr id="137" name="Shape 137"/>
+          <p:cNvSpPr>
+            <a:spLocks noGrp="1"/>
+          </p:cNvSpPr>
+          <p:nvPr>
+            <p:ph type="body" idx="1"/>
+          </p:nvPr>
+        </p:nvSpPr>
+        <p:spPr>
+          <a:prstGeom prst="rect">
+            <a:avLst/>
+          </a:prstGeom>
+        </p:spPr>
+        <p:txBody>
+          <a:bodyPr/>
+          <a:lstStyle/>
+          <a:p>
+            <a:endParaRPr/>
+          </a:p>
+        </p:txBody>
+      </p:sp>
+    </p:spTree>
+    <p:extLst>
+      <p:ext uri="{BB962C8B-B14F-4D97-AF65-F5344CB8AC3E}">
+        <p14:creationId xmlns:p14="http://schemas.microsoft.com/office/powerpoint/2010/main" val="1605557328"/>
+      </p:ext>
+    </p:extLst>
+  </p:cSld>
+  <p:clrMapOvr>
+    <a:masterClrMapping/>
+  </p:clrMapOvr>
+  <p:transition spd="med"/>
+</p:sld>
+</file>
+
+<file path=ppt/slides/slide2.xml><?xml version="1.0" encoding="utf-8"?>
+<p:sld xmlns:a="http://schemas.openxmlformats.org/drawingml/2006/main" xmlns:r="http://schemas.openxmlformats.org/officeDocument/2006/relationships" xmlns:p="http://schemas.openxmlformats.org/presentationml/2006/main">
+  <p:cSld>
+    <p:spTree>
+      <p:nvGrpSpPr>
+        <p:cNvPr id="1" name=""/>
+        <p:cNvGrpSpPr/>
+        <p:nvPr/>
+      </p:nvGrpSpPr>
+      <p:grpSpPr>
+        <a:xfrm>
+          <a:off x="0" y="0"/>
+          <a:ext cx="0" cy="0"/>
+          <a:chOff x="0" y="0"/>
+          <a:chExt cx="0" cy="0"/>
+        </a:xfrm>
+      </p:grpSpPr>
+      <p:sp>
+        <p:nvSpPr>
+          <p:cNvPr id="2" name="Title 1"/>
+          <p:cNvSpPr>
+            <a:spLocks noGrp="1"/>
+          </p:cNvSpPr>
+          <p:nvPr>
+            <p:ph type="title"/>
+          </p:nvPr>
+        </p:nvSpPr>
+        <p:spPr/>
+        <p:txBody>
+          <a:bodyPr/>
+          <a:lstStyle/>
+          <a:p>
+            <a:r>
+              <a:rPr lang="en-US" dirty="0" smtClean="0"/>
+              <a:t>Review</a:t>
+            </a:r>
+            <a:endParaRPr lang="en-US" dirty="0"/>
+          </a:p>
+        </p:txBody>
+      </p:sp>
+      <p:sp>
+        <p:nvSpPr>
+          <p:cNvPr id="3" name="Content Placeholder 2"/>
+          <p:cNvSpPr>
+            <a:spLocks noGrp="1"/>
+          </p:cNvSpPr>
+          <p:nvPr>
+            <p:ph idx="1"/>
+          </p:nvPr>
+        </p:nvSpPr>
+        <p:spPr/>
+        <p:txBody>
+          <a:bodyPr/>
+          <a:lstStyle/>
+          <a:p>
+            <a:endParaRPr lang="en-US" dirty="0"/>
+          </a:p>
+        </p:txBody>
+      </p:sp>
+      <p:sp>
+        <p:nvSpPr>
+          <p:cNvPr id="5" name="Footer Placeholder 4"/>
+          <p:cNvSpPr>
+            <a:spLocks noGrp="1"/>
+          </p:cNvSpPr>
+          <p:nvPr>
+            <p:ph type="ftr" sz="quarter" idx="11"/>
+          </p:nvPr>
+        </p:nvSpPr>
+        <p:spPr/>
+        <p:txBody>
+          <a:bodyPr/>
+          <a:lstStyle/>
+          <a:p>
+            <a:r>
+              <a:rPr lang="en-US" smtClean="0"/>
+              <a:t>A Look Inside FreeBSD with DTrace</a:t>
+            </a:r>
+            <a:endParaRPr lang="en-US" dirty="0"/>
+          </a:p>
+        </p:txBody>
+      </p:sp>
+    </p:spTree>
+    <p:extLst>
+      <p:ext uri="{BB962C8B-B14F-4D97-AF65-F5344CB8AC3E}">
+        <p14:creationId xmlns:p14="http://schemas.microsoft.com/office/powerpoint/2010/main" val="1886148566"/>
+      </p:ext>
+    </p:extLst>
+  </p:cSld>
+  <p:clrMapOvr>
+    <a:masterClrMapping/>
+  </p:clrMapOvr>
+  <p:timing>
+    <p:tnLst>
+      <p:par>
+        <p:cTn id="1" dur="indefinite" restart="never" nodeType="tmRoot"/>
+      </p:par>
+    </p:tnLst>
+  </p:timing>
+</p:sld>
+</file>
+
+<file path=ppt/slides/slide20.xml><?xml version="1.0" encoding="utf-8"?>
+<p:sld xmlns:a="http://schemas.openxmlformats.org/drawingml/2006/main" xmlns:r="http://schemas.openxmlformats.org/officeDocument/2006/relationships" xmlns:p="http://schemas.openxmlformats.org/presentationml/2006/main">
+  <p:cSld>
+    <p:spTree>
+      <p:nvGrpSpPr>
+        <p:cNvPr id="1" name=""/>
+        <p:cNvGrpSpPr/>
+        <p:nvPr/>
+      </p:nvGrpSpPr>
+      <p:grpSpPr>
+        <a:xfrm>
+          <a:off x="0" y="0"/>
+          <a:ext cx="0" cy="0"/>
+          <a:chOff x="0" y="0"/>
+          <a:chExt cx="0" cy="0"/>
+        </a:xfrm>
+      </p:grpSpPr>
+      <p:sp>
+        <p:nvSpPr>
+          <p:cNvPr id="139" name="Shape 139"/>
+          <p:cNvSpPr>
+            <a:spLocks noGrp="1"/>
+          </p:cNvSpPr>
+          <p:nvPr>
+            <p:ph type="title"/>
+          </p:nvPr>
+        </p:nvSpPr>
+        <p:spPr>
+          <a:prstGeom prst="rect">
+            <a:avLst/>
+          </a:prstGeom>
+        </p:spPr>
+        <p:txBody>
+          <a:bodyPr/>
+          <a:lstStyle/>
+          <a:p>
+            <a:r>
+              <a:t>Sliding window</a:t>
+            </a:r>
+          </a:p>
+        </p:txBody>
+      </p:sp>
+      <p:sp>
+        <p:nvSpPr>
+          <p:cNvPr id="140" name="Shape 140"/>
+          <p:cNvSpPr>
+            <a:spLocks noGrp="1"/>
+          </p:cNvSpPr>
+          <p:nvPr>
+            <p:ph type="body" idx="1"/>
+          </p:nvPr>
+        </p:nvSpPr>
+        <p:spPr>
+          <a:prstGeom prst="rect">
+            <a:avLst/>
+          </a:prstGeom>
+        </p:spPr>
+        <p:txBody>
+          <a:bodyPr/>
+          <a:lstStyle/>
+          <a:p>
+            <a:endParaRPr/>
+          </a:p>
+        </p:txBody>
+      </p:sp>
+    </p:spTree>
+    <p:extLst>
+      <p:ext uri="{BB962C8B-B14F-4D97-AF65-F5344CB8AC3E}">
+        <p14:creationId xmlns:p14="http://schemas.microsoft.com/office/powerpoint/2010/main" val="1469987141"/>
+      </p:ext>
+    </p:extLst>
+  </p:cSld>
+  <p:clrMapOvr>
+    <a:masterClrMapping/>
+  </p:clrMapOvr>
+  <p:transition spd="med"/>
+</p:sld>
+</file>
+
+<file path=ppt/slides/slide21.xml><?xml version="1.0" encoding="utf-8"?>
+<p:sld xmlns:a="http://schemas.openxmlformats.org/drawingml/2006/main" xmlns:r="http://schemas.openxmlformats.org/officeDocument/2006/relationships" xmlns:p="http://schemas.openxmlformats.org/presentationml/2006/main">
+  <p:cSld>
+    <p:spTree>
+      <p:nvGrpSpPr>
+        <p:cNvPr id="1" name=""/>
+        <p:cNvGrpSpPr/>
+        <p:nvPr/>
+      </p:nvGrpSpPr>
+      <p:grpSpPr>
+        <a:xfrm>
+          <a:off x="0" y="0"/>
+          <a:ext cx="0" cy="0"/>
+          <a:chOff x="0" y="0"/>
+          <a:chExt cx="0" cy="0"/>
+        </a:xfrm>
+      </p:grpSpPr>
+      <p:sp>
+        <p:nvSpPr>
           <p:cNvPr id="2" name="Title 1"/>
           <p:cNvSpPr>
             <a:spLocks noGrp="1"/>
@@ -5021,7 +5976,7 @@
 </p:sld>
 </file>
 
-<file path=ppt/slides/slide15.xml><?xml version="1.0" encoding="utf-8"?>
+<file path=ppt/slides/slide22.xml><?xml version="1.0" encoding="utf-8"?>
 <p:sld xmlns:a="http://schemas.openxmlformats.org/drawingml/2006/main" xmlns:r="http://schemas.openxmlformats.org/officeDocument/2006/relationships" xmlns:p="http://schemas.openxmlformats.org/presentationml/2006/main">
   <p:cSld>
     <p:spTree>
@@ -6807,689 +7762,6 @@
 </p:sld>
 </file>
 
-<file path=ppt/slides/slide16.xml><?xml version="1.0" encoding="utf-8"?>
-<p:sld xmlns:a="http://schemas.openxmlformats.org/drawingml/2006/main" xmlns:r="http://schemas.openxmlformats.org/officeDocument/2006/relationships" xmlns:p="http://schemas.openxmlformats.org/presentationml/2006/main">
-  <p:cSld>
-    <p:spTree>
-      <p:nvGrpSpPr>
-        <p:cNvPr id="1" name=""/>
-        <p:cNvGrpSpPr/>
-        <p:nvPr/>
-      </p:nvGrpSpPr>
-      <p:grpSpPr>
-        <a:xfrm>
-          <a:off x="0" y="0"/>
-          <a:ext cx="0" cy="0"/>
-          <a:chOff x="0" y="0"/>
-          <a:chExt cx="0" cy="0"/>
-        </a:xfrm>
-      </p:grpSpPr>
-      <p:sp>
-        <p:nvSpPr>
-          <p:cNvPr id="2" name="Title 1"/>
-          <p:cNvSpPr>
-            <a:spLocks noGrp="1"/>
-          </p:cNvSpPr>
-          <p:nvPr>
-            <p:ph type="title"/>
-          </p:nvPr>
-        </p:nvSpPr>
-        <p:spPr/>
-        <p:txBody>
-          <a:bodyPr/>
-          <a:lstStyle/>
-          <a:p>
-            <a:r>
-              <a:rPr lang="en-US" dirty="0" smtClean="0"/>
-              <a:t>The User Program View</a:t>
-            </a:r>
-            <a:endParaRPr lang="en-US" dirty="0"/>
-          </a:p>
-        </p:txBody>
-      </p:sp>
-      <p:sp>
-        <p:nvSpPr>
-          <p:cNvPr id="3" name="Footer Placeholder 2"/>
-          <p:cNvSpPr>
-            <a:spLocks noGrp="1"/>
-          </p:cNvSpPr>
-          <p:nvPr>
-            <p:ph type="ftr" sz="quarter" idx="11"/>
-          </p:nvPr>
-        </p:nvSpPr>
-        <p:spPr/>
-        <p:txBody>
-          <a:bodyPr/>
-          <a:lstStyle/>
-          <a:p>
-            <a:r>
-              <a:rPr lang="en-US" smtClean="0"/>
-              <a:t>A Look Inside FreeBSD with DTrace</a:t>
-            </a:r>
-            <a:endParaRPr lang="en-US"/>
-          </a:p>
-        </p:txBody>
-      </p:sp>
-    </p:spTree>
-    <p:extLst>
-      <p:ext uri="{BB962C8B-B14F-4D97-AF65-F5344CB8AC3E}">
-        <p14:creationId xmlns:p14="http://schemas.microsoft.com/office/powerpoint/2010/main" val="617307164"/>
-      </p:ext>
-    </p:extLst>
-  </p:cSld>
-  <p:clrMapOvr>
-    <a:masterClrMapping/>
-  </p:clrMapOvr>
-  <p:timing>
-    <p:tnLst>
-      <p:par>
-        <p:cTn id="1" dur="indefinite" restart="never" nodeType="tmRoot"/>
-      </p:par>
-    </p:tnLst>
-  </p:timing>
-</p:sld>
-</file>
-
-<file path=ppt/slides/slide17.xml><?xml version="1.0" encoding="utf-8"?>
-<p:sld xmlns:a="http://schemas.openxmlformats.org/drawingml/2006/main" xmlns:r="http://schemas.openxmlformats.org/officeDocument/2006/relationships" xmlns:p="http://schemas.openxmlformats.org/presentationml/2006/main">
-  <p:cSld>
-    <p:spTree>
-      <p:nvGrpSpPr>
-        <p:cNvPr id="1" name=""/>
-        <p:cNvGrpSpPr/>
-        <p:nvPr/>
-      </p:nvGrpSpPr>
-      <p:grpSpPr>
-        <a:xfrm>
-          <a:off x="0" y="0"/>
-          <a:ext cx="0" cy="0"/>
-          <a:chOff x="0" y="0"/>
-          <a:chExt cx="0" cy="0"/>
-        </a:xfrm>
-      </p:grpSpPr>
-      <p:sp>
-        <p:nvSpPr>
-          <p:cNvPr id="2" name="Title 1"/>
-          <p:cNvSpPr>
-            <a:spLocks noGrp="1"/>
-          </p:cNvSpPr>
-          <p:nvPr>
-            <p:ph type="title"/>
-          </p:nvPr>
-        </p:nvSpPr>
-        <p:spPr/>
-        <p:txBody>
-          <a:bodyPr/>
-          <a:lstStyle/>
-          <a:p>
-            <a:r>
-              <a:rPr lang="en-US" dirty="0" smtClean="0"/>
-              <a:t>Sockets</a:t>
-            </a:r>
-            <a:endParaRPr lang="en-US" dirty="0"/>
-          </a:p>
-        </p:txBody>
-      </p:sp>
-      <p:sp>
-        <p:nvSpPr>
-          <p:cNvPr id="3" name="Footer Placeholder 2"/>
-          <p:cNvSpPr>
-            <a:spLocks noGrp="1"/>
-          </p:cNvSpPr>
-          <p:nvPr>
-            <p:ph type="ftr" sz="quarter" idx="11"/>
-          </p:nvPr>
-        </p:nvSpPr>
-        <p:spPr/>
-        <p:txBody>
-          <a:bodyPr/>
-          <a:lstStyle/>
-          <a:p>
-            <a:r>
-              <a:rPr lang="en-US" smtClean="0"/>
-              <a:t>A Look Inside FreeBSD with DTrace</a:t>
-            </a:r>
-            <a:endParaRPr lang="en-US"/>
-          </a:p>
-        </p:txBody>
-      </p:sp>
-    </p:spTree>
-    <p:extLst>
-      <p:ext uri="{BB962C8B-B14F-4D97-AF65-F5344CB8AC3E}">
-        <p14:creationId xmlns:p14="http://schemas.microsoft.com/office/powerpoint/2010/main" val="815712111"/>
-      </p:ext>
-    </p:extLst>
-  </p:cSld>
-  <p:clrMapOvr>
-    <a:masterClrMapping/>
-  </p:clrMapOvr>
-  <p:timing>
-    <p:tnLst>
-      <p:par>
-        <p:cTn id="1" dur="indefinite" restart="never" nodeType="tmRoot"/>
-      </p:par>
-    </p:tnLst>
-  </p:timing>
-</p:sld>
-</file>
-
-<file path=ppt/slides/slide18.xml><?xml version="1.0" encoding="utf-8"?>
-<p:sld xmlns:a="http://schemas.openxmlformats.org/drawingml/2006/main" xmlns:r="http://schemas.openxmlformats.org/officeDocument/2006/relationships" xmlns:p="http://schemas.openxmlformats.org/presentationml/2006/main">
-  <p:cSld>
-    <p:spTree>
-      <p:nvGrpSpPr>
-        <p:cNvPr id="1" name=""/>
-        <p:cNvGrpSpPr/>
-        <p:nvPr/>
-      </p:nvGrpSpPr>
-      <p:grpSpPr>
-        <a:xfrm>
-          <a:off x="0" y="0"/>
-          <a:ext cx="0" cy="0"/>
-          <a:chOff x="0" y="0"/>
-          <a:chExt cx="0" cy="0"/>
-        </a:xfrm>
-      </p:grpSpPr>
-      <p:sp>
-        <p:nvSpPr>
-          <p:cNvPr id="2" name="Title 1"/>
-          <p:cNvSpPr>
-            <a:spLocks noGrp="1"/>
-          </p:cNvSpPr>
-          <p:nvPr>
-            <p:ph type="title"/>
-          </p:nvPr>
-        </p:nvSpPr>
-        <p:spPr/>
-        <p:txBody>
-          <a:bodyPr/>
-          <a:lstStyle/>
-          <a:p>
-            <a:r>
-              <a:rPr lang="en-US" dirty="0" smtClean="0"/>
-              <a:t>Socket System Calls</a:t>
-            </a:r>
-            <a:endParaRPr lang="en-US" dirty="0"/>
-          </a:p>
-        </p:txBody>
-      </p:sp>
-      <p:sp>
-        <p:nvSpPr>
-          <p:cNvPr id="3" name="Footer Placeholder 2"/>
-          <p:cNvSpPr>
-            <a:spLocks noGrp="1"/>
-          </p:cNvSpPr>
-          <p:nvPr>
-            <p:ph type="ftr" sz="quarter" idx="11"/>
-          </p:nvPr>
-        </p:nvSpPr>
-        <p:spPr/>
-        <p:txBody>
-          <a:bodyPr/>
-          <a:lstStyle/>
-          <a:p>
-            <a:r>
-              <a:rPr lang="en-US" smtClean="0"/>
-              <a:t>A Look Inside FreeBSD with DTrace</a:t>
-            </a:r>
-            <a:endParaRPr lang="en-US"/>
-          </a:p>
-        </p:txBody>
-      </p:sp>
-    </p:spTree>
-    <p:extLst>
-      <p:ext uri="{BB962C8B-B14F-4D97-AF65-F5344CB8AC3E}">
-        <p14:creationId xmlns:p14="http://schemas.microsoft.com/office/powerpoint/2010/main" val="601453821"/>
-      </p:ext>
-    </p:extLst>
-  </p:cSld>
-  <p:clrMapOvr>
-    <a:masterClrMapping/>
-  </p:clrMapOvr>
-  <p:timing>
-    <p:tnLst>
-      <p:par>
-        <p:cTn id="1" dur="indefinite" restart="never" nodeType="tmRoot"/>
-      </p:par>
-    </p:tnLst>
-  </p:timing>
-</p:sld>
-</file>
-
-<file path=ppt/slides/slide19.xml><?xml version="1.0" encoding="utf-8"?>
-<p:sld xmlns:a="http://schemas.openxmlformats.org/drawingml/2006/main" xmlns:r="http://schemas.openxmlformats.org/officeDocument/2006/relationships" xmlns:p="http://schemas.openxmlformats.org/presentationml/2006/main">
-  <p:cSld>
-    <p:spTree>
-      <p:nvGrpSpPr>
-        <p:cNvPr id="1" name=""/>
-        <p:cNvGrpSpPr/>
-        <p:nvPr/>
-      </p:nvGrpSpPr>
-      <p:grpSpPr>
-        <a:xfrm>
-          <a:off x="0" y="0"/>
-          <a:ext cx="0" cy="0"/>
-          <a:chOff x="0" y="0"/>
-          <a:chExt cx="0" cy="0"/>
-        </a:xfrm>
-      </p:grpSpPr>
-      <p:sp>
-        <p:nvSpPr>
-          <p:cNvPr id="2" name="Title 1"/>
-          <p:cNvSpPr>
-            <a:spLocks noGrp="1"/>
-          </p:cNvSpPr>
-          <p:nvPr>
-            <p:ph type="title"/>
-          </p:nvPr>
-        </p:nvSpPr>
-        <p:spPr/>
-        <p:txBody>
-          <a:bodyPr/>
-          <a:lstStyle/>
-          <a:p>
-            <a:r>
-              <a:rPr lang="en-US" dirty="0" smtClean="0"/>
-              <a:t>Transferring Data on Sockets</a:t>
-            </a:r>
-            <a:endParaRPr lang="en-US" dirty="0"/>
-          </a:p>
-        </p:txBody>
-      </p:sp>
-      <p:sp>
-        <p:nvSpPr>
-          <p:cNvPr id="3" name="Footer Placeholder 2"/>
-          <p:cNvSpPr>
-            <a:spLocks noGrp="1"/>
-          </p:cNvSpPr>
-          <p:nvPr>
-            <p:ph type="ftr" sz="quarter" idx="11"/>
-          </p:nvPr>
-        </p:nvSpPr>
-        <p:spPr/>
-        <p:txBody>
-          <a:bodyPr/>
-          <a:lstStyle/>
-          <a:p>
-            <a:r>
-              <a:rPr lang="en-US" smtClean="0"/>
-              <a:t>A Look Inside FreeBSD with DTrace</a:t>
-            </a:r>
-            <a:endParaRPr lang="en-US"/>
-          </a:p>
-        </p:txBody>
-      </p:sp>
-    </p:spTree>
-    <p:extLst>
-      <p:ext uri="{BB962C8B-B14F-4D97-AF65-F5344CB8AC3E}">
-        <p14:creationId xmlns:p14="http://schemas.microsoft.com/office/powerpoint/2010/main" val="343013659"/>
-      </p:ext>
-    </p:extLst>
-  </p:cSld>
-  <p:clrMapOvr>
-    <a:masterClrMapping/>
-  </p:clrMapOvr>
-  <p:timing>
-    <p:tnLst>
-      <p:par>
-        <p:cTn id="1" dur="indefinite" restart="never" nodeType="tmRoot"/>
-      </p:par>
-    </p:tnLst>
-  </p:timing>
-</p:sld>
-</file>
-
-<file path=ppt/slides/slide2.xml><?xml version="1.0" encoding="utf-8"?>
-<p:sld xmlns:a="http://schemas.openxmlformats.org/drawingml/2006/main" xmlns:r="http://schemas.openxmlformats.org/officeDocument/2006/relationships" xmlns:p="http://schemas.openxmlformats.org/presentationml/2006/main">
-  <p:cSld>
-    <p:spTree>
-      <p:nvGrpSpPr>
-        <p:cNvPr id="1" name=""/>
-        <p:cNvGrpSpPr/>
-        <p:nvPr/>
-      </p:nvGrpSpPr>
-      <p:grpSpPr>
-        <a:xfrm>
-          <a:off x="0" y="0"/>
-          <a:ext cx="0" cy="0"/>
-          <a:chOff x="0" y="0"/>
-          <a:chExt cx="0" cy="0"/>
-        </a:xfrm>
-      </p:grpSpPr>
-      <p:sp>
-        <p:nvSpPr>
-          <p:cNvPr id="2" name="Title 1"/>
-          <p:cNvSpPr>
-            <a:spLocks noGrp="1"/>
-          </p:cNvSpPr>
-          <p:nvPr>
-            <p:ph type="title"/>
-          </p:nvPr>
-        </p:nvSpPr>
-        <p:spPr/>
-        <p:txBody>
-          <a:bodyPr/>
-          <a:lstStyle/>
-          <a:p>
-            <a:r>
-              <a:rPr lang="en-US" dirty="0" smtClean="0"/>
-              <a:t>Review</a:t>
-            </a:r>
-            <a:endParaRPr lang="en-US" dirty="0"/>
-          </a:p>
-        </p:txBody>
-      </p:sp>
-      <p:sp>
-        <p:nvSpPr>
-          <p:cNvPr id="3" name="Content Placeholder 2"/>
-          <p:cNvSpPr>
-            <a:spLocks noGrp="1"/>
-          </p:cNvSpPr>
-          <p:nvPr>
-            <p:ph idx="1"/>
-          </p:nvPr>
-        </p:nvSpPr>
-        <p:spPr/>
-        <p:txBody>
-          <a:bodyPr/>
-          <a:lstStyle/>
-          <a:p>
-            <a:endParaRPr lang="en-US" dirty="0"/>
-          </a:p>
-        </p:txBody>
-      </p:sp>
-      <p:sp>
-        <p:nvSpPr>
-          <p:cNvPr id="5" name="Footer Placeholder 4"/>
-          <p:cNvSpPr>
-            <a:spLocks noGrp="1"/>
-          </p:cNvSpPr>
-          <p:nvPr>
-            <p:ph type="ftr" sz="quarter" idx="11"/>
-          </p:nvPr>
-        </p:nvSpPr>
-        <p:spPr/>
-        <p:txBody>
-          <a:bodyPr/>
-          <a:lstStyle/>
-          <a:p>
-            <a:r>
-              <a:rPr lang="en-US" smtClean="0"/>
-              <a:t>A Look Inside FreeBSD with DTrace</a:t>
-            </a:r>
-            <a:endParaRPr lang="en-US" dirty="0"/>
-          </a:p>
-        </p:txBody>
-      </p:sp>
-    </p:spTree>
-    <p:extLst>
-      <p:ext uri="{BB962C8B-B14F-4D97-AF65-F5344CB8AC3E}">
-        <p14:creationId xmlns:p14="http://schemas.microsoft.com/office/powerpoint/2010/main" val="1886148566"/>
-      </p:ext>
-    </p:extLst>
-  </p:cSld>
-  <p:clrMapOvr>
-    <a:masterClrMapping/>
-  </p:clrMapOvr>
-  <p:timing>
-    <p:tnLst>
-      <p:par>
-        <p:cTn id="1" dur="indefinite" restart="never" nodeType="tmRoot"/>
-      </p:par>
-    </p:tnLst>
-  </p:timing>
-</p:sld>
-</file>
-
-<file path=ppt/slides/slide20.xml><?xml version="1.0" encoding="utf-8"?>
-<p:sld xmlns:a="http://schemas.openxmlformats.org/drawingml/2006/main" xmlns:r="http://schemas.openxmlformats.org/officeDocument/2006/relationships" xmlns:p="http://schemas.openxmlformats.org/presentationml/2006/main">
-  <p:cSld>
-    <p:spTree>
-      <p:nvGrpSpPr>
-        <p:cNvPr id="1" name=""/>
-        <p:cNvGrpSpPr/>
-        <p:nvPr/>
-      </p:nvGrpSpPr>
-      <p:grpSpPr>
-        <a:xfrm>
-          <a:off x="0" y="0"/>
-          <a:ext cx="0" cy="0"/>
-          <a:chOff x="0" y="0"/>
-          <a:chExt cx="0" cy="0"/>
-        </a:xfrm>
-      </p:grpSpPr>
-      <p:sp>
-        <p:nvSpPr>
-          <p:cNvPr id="2" name="Title 1"/>
-          <p:cNvSpPr>
-            <a:spLocks noGrp="1"/>
-          </p:cNvSpPr>
-          <p:nvPr>
-            <p:ph type="title"/>
-          </p:nvPr>
-        </p:nvSpPr>
-        <p:spPr/>
-        <p:txBody>
-          <a:bodyPr/>
-          <a:lstStyle/>
-          <a:p>
-            <a:r>
-              <a:rPr lang="en-US" dirty="0" smtClean="0"/>
-              <a:t>Network Stack Internals</a:t>
-            </a:r>
-            <a:endParaRPr lang="en-US" dirty="0"/>
-          </a:p>
-        </p:txBody>
-      </p:sp>
-      <p:sp>
-        <p:nvSpPr>
-          <p:cNvPr id="3" name="Footer Placeholder 2"/>
-          <p:cNvSpPr>
-            <a:spLocks noGrp="1"/>
-          </p:cNvSpPr>
-          <p:nvPr>
-            <p:ph type="ftr" sz="quarter" idx="11"/>
-          </p:nvPr>
-        </p:nvSpPr>
-        <p:spPr/>
-        <p:txBody>
-          <a:bodyPr/>
-          <a:lstStyle/>
-          <a:p>
-            <a:r>
-              <a:rPr lang="en-US" smtClean="0"/>
-              <a:t>A Look Inside FreeBSD with DTrace</a:t>
-            </a:r>
-            <a:endParaRPr lang="en-US"/>
-          </a:p>
-        </p:txBody>
-      </p:sp>
-    </p:spTree>
-    <p:extLst>
-      <p:ext uri="{BB962C8B-B14F-4D97-AF65-F5344CB8AC3E}">
-        <p14:creationId xmlns:p14="http://schemas.microsoft.com/office/powerpoint/2010/main" val="1149122477"/>
-      </p:ext>
-    </p:extLst>
-  </p:cSld>
-  <p:clrMapOvr>
-    <a:masterClrMapping/>
-  </p:clrMapOvr>
-  <p:timing>
-    <p:tnLst>
-      <p:par>
-        <p:cTn id="1" dur="indefinite" restart="never" nodeType="tmRoot"/>
-      </p:par>
-    </p:tnLst>
-  </p:timing>
-</p:sld>
-</file>
-
-<file path=ppt/slides/slide21.xml><?xml version="1.0" encoding="utf-8"?>
-<p:sld xmlns:a="http://schemas.openxmlformats.org/drawingml/2006/main" xmlns:r="http://schemas.openxmlformats.org/officeDocument/2006/relationships" xmlns:p="http://schemas.openxmlformats.org/presentationml/2006/main">
-  <p:cSld>
-    <p:spTree>
-      <p:nvGrpSpPr>
-        <p:cNvPr id="1" name=""/>
-        <p:cNvGrpSpPr/>
-        <p:nvPr/>
-      </p:nvGrpSpPr>
-      <p:grpSpPr>
-        <a:xfrm>
-          <a:off x="0" y="0"/>
-          <a:ext cx="0" cy="0"/>
-          <a:chOff x="0" y="0"/>
-          <a:chExt cx="0" cy="0"/>
-        </a:xfrm>
-      </p:grpSpPr>
-      <p:sp>
-        <p:nvSpPr>
-          <p:cNvPr id="2" name="Title 1"/>
-          <p:cNvSpPr>
-            <a:spLocks noGrp="1"/>
-          </p:cNvSpPr>
-          <p:nvPr>
-            <p:ph type="title"/>
-          </p:nvPr>
-        </p:nvSpPr>
-        <p:spPr/>
-        <p:txBody>
-          <a:bodyPr/>
-          <a:lstStyle/>
-          <a:p>
-            <a:r>
-              <a:rPr lang="en-US" dirty="0" smtClean="0"/>
-              <a:t>UDP</a:t>
-            </a:r>
-            <a:endParaRPr lang="en-US" dirty="0"/>
-          </a:p>
-        </p:txBody>
-      </p:sp>
-      <p:sp>
-        <p:nvSpPr>
-          <p:cNvPr id="3" name="Footer Placeholder 2"/>
-          <p:cNvSpPr>
-            <a:spLocks noGrp="1"/>
-          </p:cNvSpPr>
-          <p:nvPr>
-            <p:ph type="ftr" sz="quarter" idx="11"/>
-          </p:nvPr>
-        </p:nvSpPr>
-        <p:spPr/>
-        <p:txBody>
-          <a:bodyPr/>
-          <a:lstStyle/>
-          <a:p>
-            <a:r>
-              <a:rPr lang="en-US" smtClean="0"/>
-              <a:t>A Look Inside FreeBSD with DTrace</a:t>
-            </a:r>
-            <a:endParaRPr lang="en-US"/>
-          </a:p>
-        </p:txBody>
-      </p:sp>
-    </p:spTree>
-    <p:extLst>
-      <p:ext uri="{BB962C8B-B14F-4D97-AF65-F5344CB8AC3E}">
-        <p14:creationId xmlns:p14="http://schemas.microsoft.com/office/powerpoint/2010/main" val="1101299506"/>
-      </p:ext>
-    </p:extLst>
-  </p:cSld>
-  <p:clrMapOvr>
-    <a:masterClrMapping/>
-  </p:clrMapOvr>
-  <p:timing>
-    <p:tnLst>
-      <p:par>
-        <p:cTn id="1" dur="indefinite" restart="never" nodeType="tmRoot"/>
-      </p:par>
-    </p:tnLst>
-  </p:timing>
-</p:sld>
-</file>
-
-<file path=ppt/slides/slide22.xml><?xml version="1.0" encoding="utf-8"?>
-<p:sld xmlns:a="http://schemas.openxmlformats.org/drawingml/2006/main" xmlns:r="http://schemas.openxmlformats.org/officeDocument/2006/relationships" xmlns:p="http://schemas.openxmlformats.org/presentationml/2006/main">
-  <p:cSld>
-    <p:spTree>
-      <p:nvGrpSpPr>
-        <p:cNvPr id="1" name=""/>
-        <p:cNvGrpSpPr/>
-        <p:nvPr/>
-      </p:nvGrpSpPr>
-      <p:grpSpPr>
-        <a:xfrm>
-          <a:off x="0" y="0"/>
-          <a:ext cx="0" cy="0"/>
-          <a:chOff x="0" y="0"/>
-          <a:chExt cx="0" cy="0"/>
-        </a:xfrm>
-      </p:grpSpPr>
-      <p:sp>
-        <p:nvSpPr>
-          <p:cNvPr id="2" name="Title 1"/>
-          <p:cNvSpPr>
-            <a:spLocks noGrp="1"/>
-          </p:cNvSpPr>
-          <p:nvPr>
-            <p:ph type="title"/>
-          </p:nvPr>
-        </p:nvSpPr>
-        <p:spPr/>
-        <p:txBody>
-          <a:bodyPr/>
-          <a:lstStyle/>
-          <a:p>
-            <a:r>
-              <a:rPr lang="en-US" dirty="0" smtClean="0"/>
-              <a:t>TCP</a:t>
-            </a:r>
-            <a:endParaRPr lang="en-US" dirty="0"/>
-          </a:p>
-        </p:txBody>
-      </p:sp>
-      <p:sp>
-        <p:nvSpPr>
-          <p:cNvPr id="3" name="Footer Placeholder 2"/>
-          <p:cNvSpPr>
-            <a:spLocks noGrp="1"/>
-          </p:cNvSpPr>
-          <p:nvPr>
-            <p:ph type="ftr" sz="quarter" idx="11"/>
-          </p:nvPr>
-        </p:nvSpPr>
-        <p:spPr/>
-        <p:txBody>
-          <a:bodyPr/>
-          <a:lstStyle/>
-          <a:p>
-            <a:r>
-              <a:rPr lang="en-US" smtClean="0"/>
-              <a:t>A Look Inside FreeBSD with DTrace</a:t>
-            </a:r>
-            <a:endParaRPr lang="en-US"/>
-          </a:p>
-        </p:txBody>
-      </p:sp>
-    </p:spTree>
-    <p:extLst>
-      <p:ext uri="{BB962C8B-B14F-4D97-AF65-F5344CB8AC3E}">
-        <p14:creationId xmlns:p14="http://schemas.microsoft.com/office/powerpoint/2010/main" val="1533581487"/>
-      </p:ext>
-    </p:extLst>
-  </p:cSld>
-  <p:clrMapOvr>
-    <a:masterClrMapping/>
-  </p:clrMapOvr>
-  <p:timing>
-    <p:tnLst>
-      <p:par>
-        <p:cTn id="1" dur="indefinite" restart="never" nodeType="tmRoot"/>
-      </p:par>
-    </p:tnLst>
-  </p:timing>
-</p:sld>
-</file>
-
 <file path=ppt/slides/slide23.xml><?xml version="1.0" encoding="utf-8"?>
 <p:sld xmlns:a="http://schemas.openxmlformats.org/drawingml/2006/main" xmlns:r="http://schemas.openxmlformats.org/officeDocument/2006/relationships" xmlns:p="http://schemas.openxmlformats.org/presentationml/2006/main">
   <p:cSld>
@@ -7524,7 +7796,7 @@
           <a:p>
             <a:r>
               <a:rPr lang="en-US" dirty="0" smtClean="0"/>
-              <a:t>Three Way Handshake</a:t>
+              <a:t>The User Program View</a:t>
             </a:r>
             <a:endParaRPr lang="en-US" dirty="0"/>
           </a:p>
@@ -7556,7 +7828,7 @@
     </p:spTree>
     <p:extLst>
       <p:ext uri="{BB962C8B-B14F-4D97-AF65-F5344CB8AC3E}">
-        <p14:creationId xmlns:p14="http://schemas.microsoft.com/office/powerpoint/2010/main" val="704180349"/>
+        <p14:creationId xmlns:p14="http://schemas.microsoft.com/office/powerpoint/2010/main" val="617307164"/>
       </p:ext>
     </p:extLst>
   </p:cSld>
@@ -7607,7 +7879,7 @@
           <a:p>
             <a:r>
               <a:rPr lang="en-US" dirty="0" smtClean="0"/>
-              <a:t>Starting a Connection</a:t>
+              <a:t>Sockets</a:t>
             </a:r>
             <a:endParaRPr lang="en-US" dirty="0"/>
           </a:p>
@@ -7639,7 +7911,7 @@
     </p:spTree>
     <p:extLst>
       <p:ext uri="{BB962C8B-B14F-4D97-AF65-F5344CB8AC3E}">
-        <p14:creationId xmlns:p14="http://schemas.microsoft.com/office/powerpoint/2010/main" val="308725058"/>
+        <p14:creationId xmlns:p14="http://schemas.microsoft.com/office/powerpoint/2010/main" val="815712111"/>
       </p:ext>
     </p:extLst>
   </p:cSld>
@@ -7690,7 +7962,7 @@
           <a:p>
             <a:r>
               <a:rPr lang="en-US" dirty="0" smtClean="0"/>
-              <a:t>TCP States</a:t>
+              <a:t>Socket System Calls</a:t>
             </a:r>
             <a:endParaRPr lang="en-US" dirty="0"/>
           </a:p>
@@ -7722,7 +7994,7 @@
     </p:spTree>
     <p:extLst>
       <p:ext uri="{BB962C8B-B14F-4D97-AF65-F5344CB8AC3E}">
-        <p14:creationId xmlns:p14="http://schemas.microsoft.com/office/powerpoint/2010/main" val="1209062781"/>
+        <p14:creationId xmlns:p14="http://schemas.microsoft.com/office/powerpoint/2010/main" val="601453821"/>
       </p:ext>
     </p:extLst>
   </p:cSld>
@@ -7773,7 +8045,7 @@
           <a:p>
             <a:r>
               <a:rPr lang="en-US" dirty="0" smtClean="0"/>
-              <a:t>TCP Data Flow</a:t>
+              <a:t>Transferring Data on Sockets</a:t>
             </a:r>
             <a:endParaRPr lang="en-US" dirty="0"/>
           </a:p>
@@ -7805,7 +8077,7 @@
     </p:spTree>
     <p:extLst>
       <p:ext uri="{BB962C8B-B14F-4D97-AF65-F5344CB8AC3E}">
-        <p14:creationId xmlns:p14="http://schemas.microsoft.com/office/powerpoint/2010/main" val="1550454414"/>
+        <p14:creationId xmlns:p14="http://schemas.microsoft.com/office/powerpoint/2010/main" val="343013659"/>
       </p:ext>
     </p:extLst>
   </p:cSld>
@@ -7856,7 +8128,7 @@
           <a:p>
             <a:r>
               <a:rPr lang="en-US" dirty="0" smtClean="0"/>
-              <a:t>The Sliding Window</a:t>
+              <a:t>Network Stack Internals</a:t>
             </a:r>
             <a:endParaRPr lang="en-US" dirty="0"/>
           </a:p>
@@ -7888,7 +8160,7 @@
     </p:spTree>
     <p:extLst>
       <p:ext uri="{BB962C8B-B14F-4D97-AF65-F5344CB8AC3E}">
-        <p14:creationId xmlns:p14="http://schemas.microsoft.com/office/powerpoint/2010/main" val="791559181"/>
+        <p14:creationId xmlns:p14="http://schemas.microsoft.com/office/powerpoint/2010/main" val="1149122477"/>
       </p:ext>
     </p:extLst>
   </p:cSld>
@@ -7939,7 +8211,7 @@
           <a:p>
             <a:r>
               <a:rPr lang="en-US" dirty="0" smtClean="0"/>
-              <a:t>Four Way Close</a:t>
+              <a:t>UDP</a:t>
             </a:r>
             <a:endParaRPr lang="en-US" dirty="0"/>
           </a:p>
@@ -7971,7 +8243,7 @@
     </p:spTree>
     <p:extLst>
       <p:ext uri="{BB962C8B-B14F-4D97-AF65-F5344CB8AC3E}">
-        <p14:creationId xmlns:p14="http://schemas.microsoft.com/office/powerpoint/2010/main" val="1384675985"/>
+        <p14:creationId xmlns:p14="http://schemas.microsoft.com/office/powerpoint/2010/main" val="1101299506"/>
       </p:ext>
     </p:extLst>
   </p:cSld>
@@ -8022,7 +8294,7 @@
           <a:p>
             <a:r>
               <a:rPr lang="en-US" dirty="0" smtClean="0"/>
-              <a:t>Closing a Connection</a:t>
+              <a:t>TCP</a:t>
             </a:r>
             <a:endParaRPr lang="en-US" dirty="0"/>
           </a:p>
@@ -8054,7 +8326,7 @@
     </p:spTree>
     <p:extLst>
       <p:ext uri="{BB962C8B-B14F-4D97-AF65-F5344CB8AC3E}">
-        <p14:creationId xmlns:p14="http://schemas.microsoft.com/office/powerpoint/2010/main" val="810355155"/>
+        <p14:creationId xmlns:p14="http://schemas.microsoft.com/office/powerpoint/2010/main" val="1533581487"/>
       </p:ext>
     </p:extLst>
   </p:cSld>
@@ -8188,7 +8460,7 @@
           <a:p>
             <a:r>
               <a:rPr lang="en-US" dirty="0" smtClean="0"/>
-              <a:t>TCP Closing States</a:t>
+              <a:t>Three Way Handshake</a:t>
             </a:r>
             <a:endParaRPr lang="en-US" dirty="0"/>
           </a:p>
@@ -8220,7 +8492,7 @@
     </p:spTree>
     <p:extLst>
       <p:ext uri="{BB962C8B-B14F-4D97-AF65-F5344CB8AC3E}">
-        <p14:creationId xmlns:p14="http://schemas.microsoft.com/office/powerpoint/2010/main" val="1938793512"/>
+        <p14:creationId xmlns:p14="http://schemas.microsoft.com/office/powerpoint/2010/main" val="704180349"/>
       </p:ext>
     </p:extLst>
   </p:cSld>
@@ -8271,7 +8543,7 @@
           <a:p>
             <a:r>
               <a:rPr lang="en-US" dirty="0" smtClean="0"/>
-              <a:t>Close State Transitions</a:t>
+              <a:t>Starting a Connection</a:t>
             </a:r>
             <a:endParaRPr lang="en-US" dirty="0"/>
           </a:p>
@@ -8303,7 +8575,7 @@
     </p:spTree>
     <p:extLst>
       <p:ext uri="{BB962C8B-B14F-4D97-AF65-F5344CB8AC3E}">
-        <p14:creationId xmlns:p14="http://schemas.microsoft.com/office/powerpoint/2010/main" val="1849717398"/>
+        <p14:creationId xmlns:p14="http://schemas.microsoft.com/office/powerpoint/2010/main" val="308725058"/>
       </p:ext>
     </p:extLst>
   </p:cSld>
@@ -8353,12 +8625,8 @@
           <a:lstStyle/>
           <a:p>
             <a:r>
-              <a:rPr lang="en-US" dirty="0" err="1" smtClean="0"/>
-              <a:t>DTrace</a:t>
-            </a:r>
-            <a:r>
               <a:rPr lang="en-US" dirty="0" smtClean="0"/>
-              <a:t> and Networking Walkthrough</a:t>
+              <a:t>TCP States</a:t>
             </a:r>
             <a:endParaRPr lang="en-US" dirty="0"/>
           </a:p>
@@ -8390,7 +8658,7 @@
     </p:spTree>
     <p:extLst>
       <p:ext uri="{BB962C8B-B14F-4D97-AF65-F5344CB8AC3E}">
-        <p14:creationId xmlns:p14="http://schemas.microsoft.com/office/powerpoint/2010/main" val="1282689633"/>
+        <p14:creationId xmlns:p14="http://schemas.microsoft.com/office/powerpoint/2010/main" val="1209062781"/>
       </p:ext>
     </p:extLst>
   </p:cSld>
@@ -8440,10 +8708,10 @@
           <a:lstStyle/>
           <a:p>
             <a:r>
-              <a:rPr lang="en-US" smtClean="0"/>
-              <a:t>Communication Review</a:t>
-            </a:r>
-            <a:endParaRPr lang="en-US"/>
+              <a:rPr lang="en-US" dirty="0" smtClean="0"/>
+              <a:t>TCP Data Flow</a:t>
+            </a:r>
+            <a:endParaRPr lang="en-US" dirty="0"/>
           </a:p>
         </p:txBody>
       </p:sp>
@@ -8473,7 +8741,7 @@
     </p:spTree>
     <p:extLst>
       <p:ext uri="{BB962C8B-B14F-4D97-AF65-F5344CB8AC3E}">
-        <p14:creationId xmlns:p14="http://schemas.microsoft.com/office/powerpoint/2010/main" val="459928030"/>
+        <p14:creationId xmlns:p14="http://schemas.microsoft.com/office/powerpoint/2010/main" val="1550454414"/>
       </p:ext>
     </p:extLst>
   </p:cSld>
@@ -8522,7 +8790,11 @@
           <a:bodyPr/>
           <a:lstStyle/>
           <a:p>
-            <a:endParaRPr lang="en-US"/>
+            <a:r>
+              <a:rPr lang="en-US" dirty="0" smtClean="0"/>
+              <a:t>The Sliding Window</a:t>
+            </a:r>
+            <a:endParaRPr lang="en-US" dirty="0"/>
           </a:p>
         </p:txBody>
       </p:sp>
@@ -8552,7 +8824,7 @@
     </p:spTree>
     <p:extLst>
       <p:ext uri="{BB962C8B-B14F-4D97-AF65-F5344CB8AC3E}">
-        <p14:creationId xmlns:p14="http://schemas.microsoft.com/office/powerpoint/2010/main" val="411802923"/>
+        <p14:creationId xmlns:p14="http://schemas.microsoft.com/office/powerpoint/2010/main" val="791559181"/>
       </p:ext>
     </p:extLst>
   </p:cSld>
@@ -8601,7 +8873,11 @@
           <a:bodyPr/>
           <a:lstStyle/>
           <a:p>
-            <a:endParaRPr lang="en-US"/>
+            <a:r>
+              <a:rPr lang="en-US" dirty="0" smtClean="0"/>
+              <a:t>Four Way Close</a:t>
+            </a:r>
+            <a:endParaRPr lang="en-US" dirty="0"/>
           </a:p>
         </p:txBody>
       </p:sp>
@@ -8631,7 +8907,343 @@
     </p:spTree>
     <p:extLst>
       <p:ext uri="{BB962C8B-B14F-4D97-AF65-F5344CB8AC3E}">
-        <p14:creationId xmlns:p14="http://schemas.microsoft.com/office/powerpoint/2010/main" val="1469510349"/>
+        <p14:creationId xmlns:p14="http://schemas.microsoft.com/office/powerpoint/2010/main" val="1384675985"/>
+      </p:ext>
+    </p:extLst>
+  </p:cSld>
+  <p:clrMapOvr>
+    <a:masterClrMapping/>
+  </p:clrMapOvr>
+  <p:timing>
+    <p:tnLst>
+      <p:par>
+        <p:cTn id="1" dur="indefinite" restart="never" nodeType="tmRoot"/>
+      </p:par>
+    </p:tnLst>
+  </p:timing>
+</p:sld>
+</file>
+
+<file path=ppt/slides/slide36.xml><?xml version="1.0" encoding="utf-8"?>
+<p:sld xmlns:a="http://schemas.openxmlformats.org/drawingml/2006/main" xmlns:r="http://schemas.openxmlformats.org/officeDocument/2006/relationships" xmlns:p="http://schemas.openxmlformats.org/presentationml/2006/main">
+  <p:cSld>
+    <p:spTree>
+      <p:nvGrpSpPr>
+        <p:cNvPr id="1" name=""/>
+        <p:cNvGrpSpPr/>
+        <p:nvPr/>
+      </p:nvGrpSpPr>
+      <p:grpSpPr>
+        <a:xfrm>
+          <a:off x="0" y="0"/>
+          <a:ext cx="0" cy="0"/>
+          <a:chOff x="0" y="0"/>
+          <a:chExt cx="0" cy="0"/>
+        </a:xfrm>
+      </p:grpSpPr>
+      <p:sp>
+        <p:nvSpPr>
+          <p:cNvPr id="2" name="Title 1"/>
+          <p:cNvSpPr>
+            <a:spLocks noGrp="1"/>
+          </p:cNvSpPr>
+          <p:nvPr>
+            <p:ph type="title"/>
+          </p:nvPr>
+        </p:nvSpPr>
+        <p:spPr/>
+        <p:txBody>
+          <a:bodyPr/>
+          <a:lstStyle/>
+          <a:p>
+            <a:r>
+              <a:rPr lang="en-US" dirty="0" smtClean="0"/>
+              <a:t>Closing a Connection</a:t>
+            </a:r>
+            <a:endParaRPr lang="en-US" dirty="0"/>
+          </a:p>
+        </p:txBody>
+      </p:sp>
+      <p:sp>
+        <p:nvSpPr>
+          <p:cNvPr id="3" name="Footer Placeholder 2"/>
+          <p:cNvSpPr>
+            <a:spLocks noGrp="1"/>
+          </p:cNvSpPr>
+          <p:nvPr>
+            <p:ph type="ftr" sz="quarter" idx="11"/>
+          </p:nvPr>
+        </p:nvSpPr>
+        <p:spPr/>
+        <p:txBody>
+          <a:bodyPr/>
+          <a:lstStyle/>
+          <a:p>
+            <a:r>
+              <a:rPr lang="en-US" smtClean="0"/>
+              <a:t>A Look Inside FreeBSD with DTrace</a:t>
+            </a:r>
+            <a:endParaRPr lang="en-US"/>
+          </a:p>
+        </p:txBody>
+      </p:sp>
+    </p:spTree>
+    <p:extLst>
+      <p:ext uri="{BB962C8B-B14F-4D97-AF65-F5344CB8AC3E}">
+        <p14:creationId xmlns:p14="http://schemas.microsoft.com/office/powerpoint/2010/main" val="810355155"/>
+      </p:ext>
+    </p:extLst>
+  </p:cSld>
+  <p:clrMapOvr>
+    <a:masterClrMapping/>
+  </p:clrMapOvr>
+  <p:timing>
+    <p:tnLst>
+      <p:par>
+        <p:cTn id="1" dur="indefinite" restart="never" nodeType="tmRoot"/>
+      </p:par>
+    </p:tnLst>
+  </p:timing>
+</p:sld>
+</file>
+
+<file path=ppt/slides/slide37.xml><?xml version="1.0" encoding="utf-8"?>
+<p:sld xmlns:a="http://schemas.openxmlformats.org/drawingml/2006/main" xmlns:r="http://schemas.openxmlformats.org/officeDocument/2006/relationships" xmlns:p="http://schemas.openxmlformats.org/presentationml/2006/main">
+  <p:cSld>
+    <p:spTree>
+      <p:nvGrpSpPr>
+        <p:cNvPr id="1" name=""/>
+        <p:cNvGrpSpPr/>
+        <p:nvPr/>
+      </p:nvGrpSpPr>
+      <p:grpSpPr>
+        <a:xfrm>
+          <a:off x="0" y="0"/>
+          <a:ext cx="0" cy="0"/>
+          <a:chOff x="0" y="0"/>
+          <a:chExt cx="0" cy="0"/>
+        </a:xfrm>
+      </p:grpSpPr>
+      <p:sp>
+        <p:nvSpPr>
+          <p:cNvPr id="2" name="Title 1"/>
+          <p:cNvSpPr>
+            <a:spLocks noGrp="1"/>
+          </p:cNvSpPr>
+          <p:nvPr>
+            <p:ph type="title"/>
+          </p:nvPr>
+        </p:nvSpPr>
+        <p:spPr/>
+        <p:txBody>
+          <a:bodyPr/>
+          <a:lstStyle/>
+          <a:p>
+            <a:r>
+              <a:rPr lang="en-US" dirty="0" smtClean="0"/>
+              <a:t>TCP Closing States</a:t>
+            </a:r>
+            <a:endParaRPr lang="en-US" dirty="0"/>
+          </a:p>
+        </p:txBody>
+      </p:sp>
+      <p:sp>
+        <p:nvSpPr>
+          <p:cNvPr id="3" name="Footer Placeholder 2"/>
+          <p:cNvSpPr>
+            <a:spLocks noGrp="1"/>
+          </p:cNvSpPr>
+          <p:nvPr>
+            <p:ph type="ftr" sz="quarter" idx="11"/>
+          </p:nvPr>
+        </p:nvSpPr>
+        <p:spPr/>
+        <p:txBody>
+          <a:bodyPr/>
+          <a:lstStyle/>
+          <a:p>
+            <a:r>
+              <a:rPr lang="en-US" smtClean="0"/>
+              <a:t>A Look Inside FreeBSD with DTrace</a:t>
+            </a:r>
+            <a:endParaRPr lang="en-US"/>
+          </a:p>
+        </p:txBody>
+      </p:sp>
+    </p:spTree>
+    <p:extLst>
+      <p:ext uri="{BB962C8B-B14F-4D97-AF65-F5344CB8AC3E}">
+        <p14:creationId xmlns:p14="http://schemas.microsoft.com/office/powerpoint/2010/main" val="1938793512"/>
+      </p:ext>
+    </p:extLst>
+  </p:cSld>
+  <p:clrMapOvr>
+    <a:masterClrMapping/>
+  </p:clrMapOvr>
+  <p:timing>
+    <p:tnLst>
+      <p:par>
+        <p:cTn id="1" dur="indefinite" restart="never" nodeType="tmRoot"/>
+      </p:par>
+    </p:tnLst>
+  </p:timing>
+</p:sld>
+</file>
+
+<file path=ppt/slides/slide38.xml><?xml version="1.0" encoding="utf-8"?>
+<p:sld xmlns:a="http://schemas.openxmlformats.org/drawingml/2006/main" xmlns:r="http://schemas.openxmlformats.org/officeDocument/2006/relationships" xmlns:p="http://schemas.openxmlformats.org/presentationml/2006/main">
+  <p:cSld>
+    <p:spTree>
+      <p:nvGrpSpPr>
+        <p:cNvPr id="1" name=""/>
+        <p:cNvGrpSpPr/>
+        <p:nvPr/>
+      </p:nvGrpSpPr>
+      <p:grpSpPr>
+        <a:xfrm>
+          <a:off x="0" y="0"/>
+          <a:ext cx="0" cy="0"/>
+          <a:chOff x="0" y="0"/>
+          <a:chExt cx="0" cy="0"/>
+        </a:xfrm>
+      </p:grpSpPr>
+      <p:sp>
+        <p:nvSpPr>
+          <p:cNvPr id="2" name="Title 1"/>
+          <p:cNvSpPr>
+            <a:spLocks noGrp="1"/>
+          </p:cNvSpPr>
+          <p:nvPr>
+            <p:ph type="title"/>
+          </p:nvPr>
+        </p:nvSpPr>
+        <p:spPr/>
+        <p:txBody>
+          <a:bodyPr/>
+          <a:lstStyle/>
+          <a:p>
+            <a:r>
+              <a:rPr lang="en-US" dirty="0" smtClean="0"/>
+              <a:t>Close State Transitions</a:t>
+            </a:r>
+            <a:endParaRPr lang="en-US" dirty="0"/>
+          </a:p>
+        </p:txBody>
+      </p:sp>
+      <p:sp>
+        <p:nvSpPr>
+          <p:cNvPr id="3" name="Footer Placeholder 2"/>
+          <p:cNvSpPr>
+            <a:spLocks noGrp="1"/>
+          </p:cNvSpPr>
+          <p:nvPr>
+            <p:ph type="ftr" sz="quarter" idx="11"/>
+          </p:nvPr>
+        </p:nvSpPr>
+        <p:spPr/>
+        <p:txBody>
+          <a:bodyPr/>
+          <a:lstStyle/>
+          <a:p>
+            <a:r>
+              <a:rPr lang="en-US" smtClean="0"/>
+              <a:t>A Look Inside FreeBSD with DTrace</a:t>
+            </a:r>
+            <a:endParaRPr lang="en-US"/>
+          </a:p>
+        </p:txBody>
+      </p:sp>
+    </p:spTree>
+    <p:extLst>
+      <p:ext uri="{BB962C8B-B14F-4D97-AF65-F5344CB8AC3E}">
+        <p14:creationId xmlns:p14="http://schemas.microsoft.com/office/powerpoint/2010/main" val="1849717398"/>
+      </p:ext>
+    </p:extLst>
+  </p:cSld>
+  <p:clrMapOvr>
+    <a:masterClrMapping/>
+  </p:clrMapOvr>
+  <p:timing>
+    <p:tnLst>
+      <p:par>
+        <p:cTn id="1" dur="indefinite" restart="never" nodeType="tmRoot"/>
+      </p:par>
+    </p:tnLst>
+  </p:timing>
+</p:sld>
+</file>
+
+<file path=ppt/slides/slide39.xml><?xml version="1.0" encoding="utf-8"?>
+<p:sld xmlns:a="http://schemas.openxmlformats.org/drawingml/2006/main" xmlns:r="http://schemas.openxmlformats.org/officeDocument/2006/relationships" xmlns:p="http://schemas.openxmlformats.org/presentationml/2006/main">
+  <p:cSld>
+    <p:spTree>
+      <p:nvGrpSpPr>
+        <p:cNvPr id="1" name=""/>
+        <p:cNvGrpSpPr/>
+        <p:nvPr/>
+      </p:nvGrpSpPr>
+      <p:grpSpPr>
+        <a:xfrm>
+          <a:off x="0" y="0"/>
+          <a:ext cx="0" cy="0"/>
+          <a:chOff x="0" y="0"/>
+          <a:chExt cx="0" cy="0"/>
+        </a:xfrm>
+      </p:grpSpPr>
+      <p:sp>
+        <p:nvSpPr>
+          <p:cNvPr id="2" name="Title 1"/>
+          <p:cNvSpPr>
+            <a:spLocks noGrp="1"/>
+          </p:cNvSpPr>
+          <p:nvPr>
+            <p:ph type="title"/>
+          </p:nvPr>
+        </p:nvSpPr>
+        <p:spPr/>
+        <p:txBody>
+          <a:bodyPr/>
+          <a:lstStyle/>
+          <a:p>
+            <a:r>
+              <a:rPr lang="en-US" dirty="0" err="1" smtClean="0"/>
+              <a:t>DTrace</a:t>
+            </a:r>
+            <a:r>
+              <a:rPr lang="en-US" dirty="0" smtClean="0"/>
+              <a:t> and Networking Walkthrough</a:t>
+            </a:r>
+            <a:endParaRPr lang="en-US" dirty="0"/>
+          </a:p>
+        </p:txBody>
+      </p:sp>
+      <p:sp>
+        <p:nvSpPr>
+          <p:cNvPr id="3" name="Footer Placeholder 2"/>
+          <p:cNvSpPr>
+            <a:spLocks noGrp="1"/>
+          </p:cNvSpPr>
+          <p:nvPr>
+            <p:ph type="ftr" sz="quarter" idx="11"/>
+          </p:nvPr>
+        </p:nvSpPr>
+        <p:spPr/>
+        <p:txBody>
+          <a:bodyPr/>
+          <a:lstStyle/>
+          <a:p>
+            <a:r>
+              <a:rPr lang="en-US" smtClean="0"/>
+              <a:t>A Look Inside FreeBSD with DTrace</a:t>
+            </a:r>
+            <a:endParaRPr lang="en-US"/>
+          </a:p>
+        </p:txBody>
+      </p:sp>
+    </p:spTree>
+    <p:extLst>
+      <p:ext uri="{BB962C8B-B14F-4D97-AF65-F5344CB8AC3E}">
+        <p14:creationId xmlns:p14="http://schemas.microsoft.com/office/powerpoint/2010/main" val="1282689633"/>
       </p:ext>
     </p:extLst>
   </p:cSld>
@@ -8721,6 +9333,247 @@
   <p:clrMapOvr>
     <a:masterClrMapping/>
   </p:clrMapOvr>
+</p:sld>
+</file>
+
+<file path=ppt/slides/slide40.xml><?xml version="1.0" encoding="utf-8"?>
+<p:sld xmlns:a="http://schemas.openxmlformats.org/drawingml/2006/main" xmlns:r="http://schemas.openxmlformats.org/officeDocument/2006/relationships" xmlns:p="http://schemas.openxmlformats.org/presentationml/2006/main">
+  <p:cSld>
+    <p:spTree>
+      <p:nvGrpSpPr>
+        <p:cNvPr id="1" name=""/>
+        <p:cNvGrpSpPr/>
+        <p:nvPr/>
+      </p:nvGrpSpPr>
+      <p:grpSpPr>
+        <a:xfrm>
+          <a:off x="0" y="0"/>
+          <a:ext cx="0" cy="0"/>
+          <a:chOff x="0" y="0"/>
+          <a:chExt cx="0" cy="0"/>
+        </a:xfrm>
+      </p:grpSpPr>
+      <p:sp>
+        <p:nvSpPr>
+          <p:cNvPr id="2" name="Title 1"/>
+          <p:cNvSpPr>
+            <a:spLocks noGrp="1"/>
+          </p:cNvSpPr>
+          <p:nvPr>
+            <p:ph type="title"/>
+          </p:nvPr>
+        </p:nvSpPr>
+        <p:spPr/>
+        <p:txBody>
+          <a:bodyPr/>
+          <a:lstStyle/>
+          <a:p>
+            <a:r>
+              <a:rPr lang="en-US" smtClean="0"/>
+              <a:t>Communication Review</a:t>
+            </a:r>
+            <a:endParaRPr lang="en-US"/>
+          </a:p>
+        </p:txBody>
+      </p:sp>
+      <p:sp>
+        <p:nvSpPr>
+          <p:cNvPr id="3" name="Footer Placeholder 2"/>
+          <p:cNvSpPr>
+            <a:spLocks noGrp="1"/>
+          </p:cNvSpPr>
+          <p:nvPr>
+            <p:ph type="ftr" sz="quarter" idx="11"/>
+          </p:nvPr>
+        </p:nvSpPr>
+        <p:spPr/>
+        <p:txBody>
+          <a:bodyPr/>
+          <a:lstStyle/>
+          <a:p>
+            <a:r>
+              <a:rPr lang="en-US" smtClean="0"/>
+              <a:t>A Look Inside FreeBSD with DTrace</a:t>
+            </a:r>
+            <a:endParaRPr lang="en-US"/>
+          </a:p>
+        </p:txBody>
+      </p:sp>
+    </p:spTree>
+    <p:extLst>
+      <p:ext uri="{BB962C8B-B14F-4D97-AF65-F5344CB8AC3E}">
+        <p14:creationId xmlns:p14="http://schemas.microsoft.com/office/powerpoint/2010/main" val="459928030"/>
+      </p:ext>
+    </p:extLst>
+  </p:cSld>
+  <p:clrMapOvr>
+    <a:masterClrMapping/>
+  </p:clrMapOvr>
+  <p:timing>
+    <p:tnLst>
+      <p:par>
+        <p:cTn id="1" dur="indefinite" restart="never" nodeType="tmRoot"/>
+      </p:par>
+    </p:tnLst>
+  </p:timing>
+</p:sld>
+</file>
+
+<file path=ppt/slides/slide41.xml><?xml version="1.0" encoding="utf-8"?>
+<p:sld xmlns:a="http://schemas.openxmlformats.org/drawingml/2006/main" xmlns:r="http://schemas.openxmlformats.org/officeDocument/2006/relationships" xmlns:p="http://schemas.openxmlformats.org/presentationml/2006/main">
+  <p:cSld>
+    <p:spTree>
+      <p:nvGrpSpPr>
+        <p:cNvPr id="1" name=""/>
+        <p:cNvGrpSpPr/>
+        <p:nvPr/>
+      </p:nvGrpSpPr>
+      <p:grpSpPr>
+        <a:xfrm>
+          <a:off x="0" y="0"/>
+          <a:ext cx="0" cy="0"/>
+          <a:chOff x="0" y="0"/>
+          <a:chExt cx="0" cy="0"/>
+        </a:xfrm>
+      </p:grpSpPr>
+      <p:sp>
+        <p:nvSpPr>
+          <p:cNvPr id="2" name="Title 1"/>
+          <p:cNvSpPr>
+            <a:spLocks noGrp="1"/>
+          </p:cNvSpPr>
+          <p:nvPr>
+            <p:ph type="title"/>
+          </p:nvPr>
+        </p:nvSpPr>
+        <p:spPr/>
+        <p:txBody>
+          <a:bodyPr/>
+          <a:lstStyle/>
+          <a:p>
+            <a:endParaRPr lang="en-US"/>
+          </a:p>
+        </p:txBody>
+      </p:sp>
+      <p:sp>
+        <p:nvSpPr>
+          <p:cNvPr id="3" name="Footer Placeholder 2"/>
+          <p:cNvSpPr>
+            <a:spLocks noGrp="1"/>
+          </p:cNvSpPr>
+          <p:nvPr>
+            <p:ph type="ftr" sz="quarter" idx="11"/>
+          </p:nvPr>
+        </p:nvSpPr>
+        <p:spPr/>
+        <p:txBody>
+          <a:bodyPr/>
+          <a:lstStyle/>
+          <a:p>
+            <a:r>
+              <a:rPr lang="en-US" smtClean="0"/>
+              <a:t>A Look Inside FreeBSD with DTrace</a:t>
+            </a:r>
+            <a:endParaRPr lang="en-US"/>
+          </a:p>
+        </p:txBody>
+      </p:sp>
+    </p:spTree>
+    <p:extLst>
+      <p:ext uri="{BB962C8B-B14F-4D97-AF65-F5344CB8AC3E}">
+        <p14:creationId xmlns:p14="http://schemas.microsoft.com/office/powerpoint/2010/main" val="411802923"/>
+      </p:ext>
+    </p:extLst>
+  </p:cSld>
+  <p:clrMapOvr>
+    <a:masterClrMapping/>
+  </p:clrMapOvr>
+  <p:timing>
+    <p:tnLst>
+      <p:par>
+        <p:cTn id="1" dur="indefinite" restart="never" nodeType="tmRoot"/>
+      </p:par>
+    </p:tnLst>
+  </p:timing>
+</p:sld>
+</file>
+
+<file path=ppt/slides/slide42.xml><?xml version="1.0" encoding="utf-8"?>
+<p:sld xmlns:a="http://schemas.openxmlformats.org/drawingml/2006/main" xmlns:r="http://schemas.openxmlformats.org/officeDocument/2006/relationships" xmlns:p="http://schemas.openxmlformats.org/presentationml/2006/main">
+  <p:cSld>
+    <p:spTree>
+      <p:nvGrpSpPr>
+        <p:cNvPr id="1" name=""/>
+        <p:cNvGrpSpPr/>
+        <p:nvPr/>
+      </p:nvGrpSpPr>
+      <p:grpSpPr>
+        <a:xfrm>
+          <a:off x="0" y="0"/>
+          <a:ext cx="0" cy="0"/>
+          <a:chOff x="0" y="0"/>
+          <a:chExt cx="0" cy="0"/>
+        </a:xfrm>
+      </p:grpSpPr>
+      <p:sp>
+        <p:nvSpPr>
+          <p:cNvPr id="2" name="Title 1"/>
+          <p:cNvSpPr>
+            <a:spLocks noGrp="1"/>
+          </p:cNvSpPr>
+          <p:nvPr>
+            <p:ph type="title"/>
+          </p:nvPr>
+        </p:nvSpPr>
+        <p:spPr/>
+        <p:txBody>
+          <a:bodyPr/>
+          <a:lstStyle/>
+          <a:p>
+            <a:endParaRPr lang="en-US"/>
+          </a:p>
+        </p:txBody>
+      </p:sp>
+      <p:sp>
+        <p:nvSpPr>
+          <p:cNvPr id="3" name="Footer Placeholder 2"/>
+          <p:cNvSpPr>
+            <a:spLocks noGrp="1"/>
+          </p:cNvSpPr>
+          <p:nvPr>
+            <p:ph type="ftr" sz="quarter" idx="11"/>
+          </p:nvPr>
+        </p:nvSpPr>
+        <p:spPr/>
+        <p:txBody>
+          <a:bodyPr/>
+          <a:lstStyle/>
+          <a:p>
+            <a:r>
+              <a:rPr lang="en-US" smtClean="0"/>
+              <a:t>A Look Inside FreeBSD with DTrace</a:t>
+            </a:r>
+            <a:endParaRPr lang="en-US"/>
+          </a:p>
+        </p:txBody>
+      </p:sp>
+    </p:spTree>
+    <p:extLst>
+      <p:ext uri="{BB962C8B-B14F-4D97-AF65-F5344CB8AC3E}">
+        <p14:creationId xmlns:p14="http://schemas.microsoft.com/office/powerpoint/2010/main" val="1469510349"/>
+      </p:ext>
+    </p:extLst>
+  </p:cSld>
+  <p:clrMapOvr>
+    <a:masterClrMapping/>
+  </p:clrMapOvr>
+  <p:timing>
+    <p:tnLst>
+      <p:par>
+        <p:cTn id="1" dur="indefinite" restart="never" nodeType="tmRoot"/>
+      </p:par>
+    </p:tnLst>
+  </p:timing>
 </p:sld>
 </file>
 
